--- a/equipo0.pptx
+++ b/equipo0.pptx
@@ -18,9 +18,9 @@
     <p:sldId id="395" r:id="rId9"/>
     <p:sldId id="405" r:id="rId10"/>
     <p:sldId id="402" r:id="rId11"/>
-    <p:sldId id="404" r:id="rId12"/>
-    <p:sldId id="392" r:id="rId13"/>
-    <p:sldId id="399" r:id="rId14"/>
+    <p:sldId id="392" r:id="rId12"/>
+    <p:sldId id="399" r:id="rId13"/>
+    <p:sldId id="404" r:id="rId14"/>
     <p:sldId id="403" r:id="rId15"/>
     <p:sldId id="394" r:id="rId16"/>
     <p:sldId id="400" r:id="rId17"/>
@@ -150,7 +150,7 @@
 <file path=ppt/revisionInfo.xml><?xml version="1.0" encoding="utf-8"?>
 <p1510:revInfo xmlns:a="http://schemas.openxmlformats.org/drawingml/2006/main" xmlns:r="http://schemas.openxmlformats.org/officeDocument/2006/relationships" xmlns:p1510="http://schemas.microsoft.com/office/powerpoint/2015/10/main">
   <p1510:revLst>
-    <p1510:client id="{1995845E-BC37-424A-8372-C61F86DEC010}" v="142" dt="2023-10-03T10:14:40.086"/>
+    <p1510:client id="{1995845E-BC37-424A-8372-C61F86DEC010}" v="145" dt="2023-10-05T18:26:23.979"/>
   </p1510:revLst>
 </p1510:revInfo>
 </file>
@@ -159,11 +159,26 @@
 <pc:chgInfo xmlns:a="http://schemas.openxmlformats.org/drawingml/2006/main" xmlns:r="http://schemas.openxmlformats.org/officeDocument/2006/relationships" xmlns:ac="http://schemas.microsoft.com/office/drawing/2013/main/command" xmlns:pc="http://schemas.microsoft.com/office/powerpoint/2013/main/command">
   <pc:docChgLst>
     <pc:chgData name="Santiago Fernández" userId="12d1d7562d82445a" providerId="LiveId" clId="{1995845E-BC37-424A-8372-C61F86DEC010}"/>
-    <pc:docChg chg="custSel modSld">
-      <pc:chgData name="Santiago Fernández" userId="12d1d7562d82445a" providerId="LiveId" clId="{1995845E-BC37-424A-8372-C61F86DEC010}" dt="2023-10-03T10:15:17.794" v="163" actId="1076"/>
+    <pc:docChg chg="undo custSel addSld delSld modSld sldOrd">
+      <pc:chgData name="Santiago Fernández" userId="12d1d7562d82445a" providerId="LiveId" clId="{1995845E-BC37-424A-8372-C61F86DEC010}" dt="2023-10-05T18:28:11.923" v="216" actId="207"/>
       <pc:docMkLst>
         <pc:docMk/>
       </pc:docMkLst>
+      <pc:sldChg chg="modSp mod">
+        <pc:chgData name="Santiago Fernández" userId="12d1d7562d82445a" providerId="LiveId" clId="{1995845E-BC37-424A-8372-C61F86DEC010}" dt="2023-10-05T18:27:09.201" v="210" actId="207"/>
+        <pc:sldMkLst>
+          <pc:docMk/>
+          <pc:sldMk cId="3358111754" sldId="392"/>
+        </pc:sldMkLst>
+        <pc:spChg chg="mod">
+          <ac:chgData name="Santiago Fernández" userId="12d1d7562d82445a" providerId="LiveId" clId="{1995845E-BC37-424A-8372-C61F86DEC010}" dt="2023-10-05T18:27:09.201" v="210" actId="207"/>
+          <ac:spMkLst>
+            <pc:docMk/>
+            <pc:sldMk cId="3358111754" sldId="392"/>
+            <ac:spMk id="67" creationId="{72D35BE3-6EFA-E647-3C5C-9D40C7BC01CE}"/>
+          </ac:spMkLst>
+        </pc:spChg>
+      </pc:sldChg>
       <pc:sldChg chg="addSp delSp modSp">
         <pc:chgData name="Santiago Fernández" userId="12d1d7562d82445a" providerId="LiveId" clId="{1995845E-BC37-424A-8372-C61F86DEC010}" dt="2023-10-03T10:01:43.774" v="95" actId="1076"/>
         <pc:sldMkLst>
@@ -202,6 +217,21 @@
             <ac:picMk id="11282" creationId="{23017866-A218-98C6-0C20-3ED1BFB1A582}"/>
           </ac:picMkLst>
         </pc:picChg>
+      </pc:sldChg>
+      <pc:sldChg chg="modSp mod ord">
+        <pc:chgData name="Santiago Fernández" userId="12d1d7562d82445a" providerId="LiveId" clId="{1995845E-BC37-424A-8372-C61F86DEC010}" dt="2023-10-05T18:28:04.206" v="215" actId="207"/>
+        <pc:sldMkLst>
+          <pc:docMk/>
+          <pc:sldMk cId="3339935709" sldId="399"/>
+        </pc:sldMkLst>
+        <pc:spChg chg="mod">
+          <ac:chgData name="Santiago Fernández" userId="12d1d7562d82445a" providerId="LiveId" clId="{1995845E-BC37-424A-8372-C61F86DEC010}" dt="2023-10-05T18:28:04.206" v="215" actId="207"/>
+          <ac:spMkLst>
+            <pc:docMk/>
+            <pc:sldMk cId="3339935709" sldId="399"/>
+            <ac:spMk id="56" creationId="{F84DB5C9-DB41-15BB-2A07-EAF031A447C4}"/>
+          </ac:spMkLst>
+        </pc:spChg>
       </pc:sldChg>
       <pc:sldChg chg="modSp">
         <pc:chgData name="Santiago Fernández" userId="12d1d7562d82445a" providerId="LiveId" clId="{1995845E-BC37-424A-8372-C61F86DEC010}" dt="2023-10-03T10:11:18.461" v="158" actId="20577"/>
@@ -246,6 +276,77 @@
             <pc:docMk/>
             <pc:sldMk cId="3957555576" sldId="403"/>
             <ac:picMk id="50" creationId="{EC1296F5-449B-CBBD-8C35-A3FCEAD131D6}"/>
+          </ac:picMkLst>
+        </pc:picChg>
+      </pc:sldChg>
+      <pc:sldChg chg="addSp delSp modSp mod ord">
+        <pc:chgData name="Santiago Fernández" userId="12d1d7562d82445a" providerId="LiveId" clId="{1995845E-BC37-424A-8372-C61F86DEC010}" dt="2023-10-05T18:28:11.923" v="216" actId="207"/>
+        <pc:sldMkLst>
+          <pc:docMk/>
+          <pc:sldMk cId="989128626" sldId="404"/>
+        </pc:sldMkLst>
+        <pc:spChg chg="mod">
+          <ac:chgData name="Santiago Fernández" userId="12d1d7562d82445a" providerId="LiveId" clId="{1995845E-BC37-424A-8372-C61F86DEC010}" dt="2023-10-05T18:25:43.900" v="190" actId="20577"/>
+          <ac:spMkLst>
+            <pc:docMk/>
+            <pc:sldMk cId="989128626" sldId="404"/>
+            <ac:spMk id="2" creationId="{5754511A-1AB4-80DB-D9FF-DFE72346A3EA}"/>
+          </ac:spMkLst>
+        </pc:spChg>
+        <pc:spChg chg="del mod">
+          <ac:chgData name="Santiago Fernández" userId="12d1d7562d82445a" providerId="LiveId" clId="{1995845E-BC37-424A-8372-C61F86DEC010}" dt="2023-10-05T18:26:12.372" v="197" actId="478"/>
+          <ac:spMkLst>
+            <pc:docMk/>
+            <pc:sldMk cId="989128626" sldId="404"/>
+            <ac:spMk id="4" creationId="{D8E46503-4330-1AD5-A19D-DE53CF190811}"/>
+          </ac:spMkLst>
+        </pc:spChg>
+        <pc:spChg chg="del">
+          <ac:chgData name="Santiago Fernández" userId="12d1d7562d82445a" providerId="LiveId" clId="{1995845E-BC37-424A-8372-C61F86DEC010}" dt="2023-10-05T18:26:14.937" v="198" actId="478"/>
+          <ac:spMkLst>
+            <pc:docMk/>
+            <pc:sldMk cId="989128626" sldId="404"/>
+            <ac:spMk id="5" creationId="{DE89BBEF-EFA8-D1D6-E252-1D5485A75C1A}"/>
+          </ac:spMkLst>
+        </pc:spChg>
+        <pc:spChg chg="mod">
+          <ac:chgData name="Santiago Fernández" userId="12d1d7562d82445a" providerId="LiveId" clId="{1995845E-BC37-424A-8372-C61F86DEC010}" dt="2023-10-05T18:28:11.923" v="216" actId="207"/>
+          <ac:spMkLst>
+            <pc:docMk/>
+            <pc:sldMk cId="989128626" sldId="404"/>
+            <ac:spMk id="14" creationId="{E13D6DD8-AC2D-F155-0D4E-81510632838A}"/>
+          </ac:spMkLst>
+        </pc:spChg>
+        <pc:spChg chg="mod">
+          <ac:chgData name="Santiago Fernández" userId="12d1d7562d82445a" providerId="LiveId" clId="{1995845E-BC37-424A-8372-C61F86DEC010}" dt="2023-10-05T18:28:11.923" v="216" actId="207"/>
+          <ac:spMkLst>
+            <pc:docMk/>
+            <pc:sldMk cId="989128626" sldId="404"/>
+            <ac:spMk id="15" creationId="{28C94B99-47ED-95FB-4590-17D89D76939C}"/>
+          </ac:spMkLst>
+        </pc:spChg>
+        <pc:spChg chg="add mod">
+          <ac:chgData name="Santiago Fernández" userId="12d1d7562d82445a" providerId="LiveId" clId="{1995845E-BC37-424A-8372-C61F86DEC010}" dt="2023-10-05T18:26:23.979" v="199"/>
+          <ac:spMkLst>
+            <pc:docMk/>
+            <pc:sldMk cId="989128626" sldId="404"/>
+            <ac:spMk id="23" creationId="{1D40B6AF-E542-E9EF-6F05-EE27F1EB202C}"/>
+          </ac:spMkLst>
+        </pc:spChg>
+        <pc:picChg chg="add mod">
+          <ac:chgData name="Santiago Fernández" userId="12d1d7562d82445a" providerId="LiveId" clId="{1995845E-BC37-424A-8372-C61F86DEC010}" dt="2023-10-05T18:26:05.272" v="195" actId="1076"/>
+          <ac:picMkLst>
+            <pc:docMk/>
+            <pc:sldMk cId="989128626" sldId="404"/>
+            <ac:picMk id="22" creationId="{CDD7396A-5EA4-DBD1-DE98-A8DA45EA77D3}"/>
+          </ac:picMkLst>
+        </pc:picChg>
+        <pc:picChg chg="del">
+          <ac:chgData name="Santiago Fernández" userId="12d1d7562d82445a" providerId="LiveId" clId="{1995845E-BC37-424A-8372-C61F86DEC010}" dt="2023-10-05T18:25:36.861" v="164" actId="478"/>
+          <ac:picMkLst>
+            <pc:docMk/>
+            <pc:sldMk cId="989128626" sldId="404"/>
+            <ac:picMk id="12290" creationId="{FD6AD56C-BFB2-B7BD-F539-D9FB06C99886}"/>
           </ac:picMkLst>
         </pc:picChg>
       </pc:sldChg>
@@ -295,6 +396,13 @@
           </ac:inkMkLst>
         </pc:inkChg>
       </pc:sldChg>
+      <pc:sldChg chg="add del">
+        <pc:chgData name="Santiago Fernández" userId="12d1d7562d82445a" providerId="LiveId" clId="{1995845E-BC37-424A-8372-C61F86DEC010}" dt="2023-10-05T18:26:38.284" v="203" actId="47"/>
+        <pc:sldMkLst>
+          <pc:docMk/>
+          <pc:sldMk cId="3233079143" sldId="407"/>
+        </pc:sldMkLst>
+      </pc:sldChg>
     </pc:docChg>
   </pc:docChgLst>
 </pc:chgInfo>
@@ -394,7 +502,7 @@
           <a:p>
             <a:fld id="{C17F2C1D-F243-42AB-ADF2-E7CB4E04900E}" type="datetimeFigureOut">
               <a:rPr lang="en-US" smtClean="0"/>
-              <a:t>10/2/2023</a:t>
+              <a:t>10/5/2023</a:t>
             </a:fld>
             <a:endParaRPr lang="en-US"/>
           </a:p>
@@ -571,7 +679,7 @@
           <a:p>
             <a:fld id="{020CE34E-5667-4A32-A6BA-10C7A552BC63}" type="datetimeFigureOut">
               <a:rPr lang="en-US" smtClean="0"/>
-              <a:t>10/2/2023</a:t>
+              <a:t>10/5/2023</a:t>
             </a:fld>
             <a:endParaRPr lang="en-US"/>
           </a:p>
@@ -1155,7 +1263,7 @@
           <a:p>
             <a:fld id="{1983A999-5E0E-42CA-8400-604AE921FF7C}" type="slidenum">
               <a:rPr lang="en-US" smtClean="0"/>
-              <a:t>9</a:t>
+              <a:t>8</a:t>
             </a:fld>
             <a:endParaRPr lang="en-US"/>
           </a:p>
@@ -13720,7 +13828,7 @@
           <p:cNvPr id="2" name="Title 1">
             <a:extLst>
               <a:ext uri="{FF2B5EF4-FFF2-40B4-BE49-F238E27FC236}">
-                <a16:creationId xmlns:a16="http://schemas.microsoft.com/office/drawing/2014/main" id="{3A6BA52F-C876-2056-4A64-4BE4B421530D}"/>
+                <a16:creationId xmlns:a16="http://schemas.microsoft.com/office/drawing/2014/main" id="{5754511A-1AB4-80DB-D9FF-DFE72346A3EA}"/>
               </a:ext>
             </a:extLst>
           </p:cNvPr>
@@ -13738,7 +13846,7 @@
           <a:p>
             <a:r>
               <a:rPr lang="es-MX" dirty="0"/>
-              <a:t>Función heurística</a:t>
+              <a:t>Probabilidad de Tiro</a:t>
             </a:r>
             <a:endParaRPr lang="en-US" dirty="0"/>
           </a:p>
@@ -13746,43 +13854,10 @@
       </p:sp>
       <p:sp>
         <p:nvSpPr>
-          <p:cNvPr id="3" name="Content Placeholder 2">
-            <a:extLst>
-              <a:ext uri="{FF2B5EF4-FFF2-40B4-BE49-F238E27FC236}">
-                <a16:creationId xmlns:a16="http://schemas.microsoft.com/office/drawing/2014/main" id="{63FC9B6B-CB7D-EE21-5235-92CC091CDCF7}"/>
-              </a:ext>
-            </a:extLst>
-          </p:cNvPr>
-          <p:cNvSpPr>
-            <a:spLocks noGrp="1"/>
-          </p:cNvSpPr>
-          <p:nvPr>
-            <p:ph idx="1"/>
-          </p:nvPr>
-        </p:nvSpPr>
-        <p:spPr>
-          <a:xfrm>
-            <a:off x="549538" y="1516040"/>
-            <a:ext cx="11090274" cy="3979625"/>
-          </a:xfrm>
-        </p:spPr>
-        <p:txBody>
-          <a:bodyPr/>
-          <a:lstStyle/>
-          <a:p>
-            <a:r>
-              <a:rPr lang="es-MX" dirty="0"/>
-              <a:t>La función heurística evalúa el estado del juego basándose en:</a:t>
-            </a:r>
-          </a:p>
-        </p:txBody>
-      </p:sp>
-      <p:sp>
-        <p:nvSpPr>
           <p:cNvPr id="6" name="Slide Number Placeholder 5">
             <a:extLst>
               <a:ext uri="{FF2B5EF4-FFF2-40B4-BE49-F238E27FC236}">
-                <a16:creationId xmlns:a16="http://schemas.microsoft.com/office/drawing/2014/main" id="{30F33364-0DCB-083B-6FF9-3DD021F832C9}"/>
+                <a16:creationId xmlns:a16="http://schemas.microsoft.com/office/drawing/2014/main" id="{27E103E4-923F-E5EF-294A-A2540D9729AF}"/>
               </a:ext>
             </a:extLst>
           </p:cNvPr>
@@ -13808,362 +13883,10 @@
       </p:sp>
       <p:sp>
         <p:nvSpPr>
-          <p:cNvPr id="7" name="Footer Placeholder 13">
-            <a:extLst>
-              <a:ext uri="{FF2B5EF4-FFF2-40B4-BE49-F238E27FC236}">
-                <a16:creationId xmlns:a16="http://schemas.microsoft.com/office/drawing/2014/main" id="{793D6A01-82C8-9435-AB23-0BA8B31D4D4E}"/>
-              </a:ext>
-            </a:extLst>
-          </p:cNvPr>
-          <p:cNvSpPr>
-            <a:spLocks noGrp="1"/>
-          </p:cNvSpPr>
-          <p:nvPr>
-            <p:ph type="ftr" sz="quarter" idx="11"/>
-          </p:nvPr>
-        </p:nvSpPr>
-        <p:spPr>
-          <a:xfrm>
-            <a:off x="550863" y="6507212"/>
-            <a:ext cx="6379210" cy="153888"/>
-          </a:xfrm>
-        </p:spPr>
-        <p:txBody>
-          <a:bodyPr/>
-          <a:lstStyle/>
-          <a:p>
-            <a:r>
-              <a:rPr lang="es-MX" dirty="0"/>
-              <a:t>ITAM | Inteligencia Artificial | Otoño 2023</a:t>
-            </a:r>
-            <a:endParaRPr lang="en-US" dirty="0"/>
-          </a:p>
-        </p:txBody>
-      </p:sp>
-      <p:pic>
-        <p:nvPicPr>
-          <p:cNvPr id="8" name="Picture 7">
-            <a:extLst>
-              <a:ext uri="{FF2B5EF4-FFF2-40B4-BE49-F238E27FC236}">
-                <a16:creationId xmlns:a16="http://schemas.microsoft.com/office/drawing/2014/main" id="{4271DE60-16AE-F7A3-6572-0020B2CED1DF}"/>
-              </a:ext>
-            </a:extLst>
-          </p:cNvPr>
-          <p:cNvPicPr>
-            <a:picLocks noChangeAspect="1"/>
-          </p:cNvPicPr>
-          <p:nvPr/>
-        </p:nvPicPr>
-        <p:blipFill>
-          <a:blip r:embed="rId2">
-            <a:lum bright="70000" contrast="-70000"/>
-            <a:extLst>
-              <a:ext uri="{BEBA8EAE-BF5A-486C-A8C5-ECC9F3942E4B}">
-                <a14:imgProps xmlns:a14="http://schemas.microsoft.com/office/drawing/2010/main">
-                  <a14:imgLayer r:embed="rId3">
-                    <a14:imgEffect>
-                      <a14:saturation sat="101000"/>
-                    </a14:imgEffect>
-                  </a14:imgLayer>
-                </a14:imgProps>
-              </a:ext>
-            </a:extLst>
-          </a:blip>
-          <a:stretch>
-            <a:fillRect/>
-          </a:stretch>
-        </p:blipFill>
-        <p:spPr>
-          <a:xfrm>
-            <a:off x="2773658" y="2735005"/>
-            <a:ext cx="847530" cy="847530"/>
-          </a:xfrm>
-          <a:prstGeom prst="rect">
-            <a:avLst/>
-          </a:prstGeom>
-          <a:noFill/>
-        </p:spPr>
-      </p:pic>
-      <p:pic>
-        <p:nvPicPr>
-          <p:cNvPr id="10" name="Picture 9">
-            <a:extLst>
-              <a:ext uri="{FF2B5EF4-FFF2-40B4-BE49-F238E27FC236}">
-                <a16:creationId xmlns:a16="http://schemas.microsoft.com/office/drawing/2014/main" id="{C53120A5-116A-6A82-6174-BC03873BEB62}"/>
-              </a:ext>
-            </a:extLst>
-          </p:cNvPr>
-          <p:cNvPicPr>
-            <a:picLocks noChangeAspect="1"/>
-          </p:cNvPicPr>
-          <p:nvPr/>
-        </p:nvPicPr>
-        <p:blipFill>
-          <a:blip r:embed="rId4">
-            <a:lum bright="70000" contrast="-70000"/>
-          </a:blip>
-          <a:stretch>
-            <a:fillRect/>
-          </a:stretch>
-        </p:blipFill>
-        <p:spPr>
-          <a:xfrm>
-            <a:off x="7601064" y="4445223"/>
-            <a:ext cx="847530" cy="847530"/>
-          </a:xfrm>
-          <a:prstGeom prst="rect">
-            <a:avLst/>
-          </a:prstGeom>
-        </p:spPr>
-      </p:pic>
-      <p:pic>
-        <p:nvPicPr>
-          <p:cNvPr id="12" name="Picture 11">
-            <a:extLst>
-              <a:ext uri="{FF2B5EF4-FFF2-40B4-BE49-F238E27FC236}">
-                <a16:creationId xmlns:a16="http://schemas.microsoft.com/office/drawing/2014/main" id="{CEFB8CAF-3C20-B354-134F-EFA8B60EC67D}"/>
-              </a:ext>
-            </a:extLst>
-          </p:cNvPr>
-          <p:cNvPicPr>
-            <a:picLocks noChangeAspect="1"/>
-          </p:cNvPicPr>
-          <p:nvPr/>
-        </p:nvPicPr>
-        <p:blipFill>
-          <a:blip r:embed="rId5">
-            <a:lum bright="70000" contrast="-70000"/>
-          </a:blip>
-          <a:stretch>
-            <a:fillRect/>
-          </a:stretch>
-        </p:blipFill>
-        <p:spPr>
-          <a:xfrm>
-            <a:off x="3316703" y="4440547"/>
-            <a:ext cx="847530" cy="847530"/>
-          </a:xfrm>
-          <a:prstGeom prst="rect">
-            <a:avLst/>
-          </a:prstGeom>
-        </p:spPr>
-      </p:pic>
-      <p:pic>
-        <p:nvPicPr>
-          <p:cNvPr id="14" name="Picture 13">
-            <a:extLst>
-              <a:ext uri="{FF2B5EF4-FFF2-40B4-BE49-F238E27FC236}">
-                <a16:creationId xmlns:a16="http://schemas.microsoft.com/office/drawing/2014/main" id="{F0C86852-720F-64EE-7478-8EF8D2F4AEB2}"/>
-              </a:ext>
-            </a:extLst>
-          </p:cNvPr>
-          <p:cNvPicPr>
-            <a:picLocks noChangeAspect="1"/>
-          </p:cNvPicPr>
-          <p:nvPr/>
-        </p:nvPicPr>
-        <p:blipFill>
-          <a:blip r:embed="rId6">
-            <a:lum bright="70000" contrast="-70000"/>
-          </a:blip>
-          <a:stretch>
-            <a:fillRect/>
-          </a:stretch>
-        </p:blipFill>
-        <p:spPr>
-          <a:xfrm>
-            <a:off x="8182459" y="2735005"/>
-            <a:ext cx="847530" cy="847530"/>
-          </a:xfrm>
-          <a:prstGeom prst="rect">
-            <a:avLst/>
-          </a:prstGeom>
-        </p:spPr>
-      </p:pic>
-      <p:sp>
-        <p:nvSpPr>
-          <p:cNvPr id="17" name="TextBox 16">
-            <a:extLst>
-              <a:ext uri="{FF2B5EF4-FFF2-40B4-BE49-F238E27FC236}">
-                <a16:creationId xmlns:a16="http://schemas.microsoft.com/office/drawing/2014/main" id="{F17F6EFE-E3A1-C7E4-E261-EADAAD838E5D}"/>
-              </a:ext>
-            </a:extLst>
-          </p:cNvPr>
-          <p:cNvSpPr txBox="1"/>
-          <p:nvPr/>
-        </p:nvSpPr>
-        <p:spPr>
-          <a:xfrm>
-            <a:off x="878437" y="2835637"/>
-            <a:ext cx="1548882" cy="523220"/>
-          </a:xfrm>
-          <a:prstGeom prst="rect">
-            <a:avLst/>
-          </a:prstGeom>
-          <a:noFill/>
-        </p:spPr>
-        <p:txBody>
-          <a:bodyPr wrap="square" rtlCol="0">
-            <a:spAutoFit/>
-          </a:bodyPr>
-          <a:lstStyle/>
-          <a:p>
-            <a:pPr algn="ctr"/>
-            <a:r>
-              <a:rPr lang="es-MX" sz="2800" dirty="0"/>
-              <a:t>Victorias</a:t>
-            </a:r>
-            <a:endParaRPr lang="en-US" sz="2800" dirty="0"/>
-          </a:p>
-        </p:txBody>
-      </p:sp>
-      <p:sp>
-        <p:nvSpPr>
-          <p:cNvPr id="18" name="TextBox 17">
-            <a:extLst>
-              <a:ext uri="{FF2B5EF4-FFF2-40B4-BE49-F238E27FC236}">
-                <a16:creationId xmlns:a16="http://schemas.microsoft.com/office/drawing/2014/main" id="{A6AFE0DC-7318-7A18-6CFB-242F29BEA731}"/>
-              </a:ext>
-            </a:extLst>
-          </p:cNvPr>
-          <p:cNvSpPr txBox="1"/>
-          <p:nvPr/>
-        </p:nvSpPr>
-        <p:spPr>
-          <a:xfrm>
-            <a:off x="9083472" y="2835637"/>
-            <a:ext cx="2279003" cy="523220"/>
-          </a:xfrm>
-          <a:prstGeom prst="rect">
-            <a:avLst/>
-          </a:prstGeom>
-          <a:noFill/>
-        </p:spPr>
-        <p:txBody>
-          <a:bodyPr wrap="square" rtlCol="0">
-            <a:spAutoFit/>
-          </a:bodyPr>
-          <a:lstStyle/>
-          <a:p>
-            <a:pPr algn="ctr"/>
-            <a:r>
-              <a:rPr lang="es-MX" sz="2800" dirty="0"/>
-              <a:t>Probabilidad</a:t>
-            </a:r>
-            <a:endParaRPr lang="en-US" sz="2800" dirty="0"/>
-          </a:p>
-        </p:txBody>
-      </p:sp>
-      <p:sp>
-        <p:nvSpPr>
-          <p:cNvPr id="19" name="TextBox 18">
-            <a:extLst>
-              <a:ext uri="{FF2B5EF4-FFF2-40B4-BE49-F238E27FC236}">
-                <a16:creationId xmlns:a16="http://schemas.microsoft.com/office/drawing/2014/main" id="{148C7301-7752-5BEF-FD8E-B483765C90CC}"/>
-              </a:ext>
-            </a:extLst>
-          </p:cNvPr>
-          <p:cNvSpPr txBox="1"/>
-          <p:nvPr/>
-        </p:nvSpPr>
-        <p:spPr>
-          <a:xfrm>
-            <a:off x="8805637" y="4602702"/>
-            <a:ext cx="2834173" cy="523220"/>
-          </a:xfrm>
-          <a:prstGeom prst="rect">
-            <a:avLst/>
-          </a:prstGeom>
-          <a:noFill/>
-        </p:spPr>
-        <p:txBody>
-          <a:bodyPr wrap="square" rtlCol="0">
-            <a:spAutoFit/>
-          </a:bodyPr>
-          <a:lstStyle/>
-          <a:p>
-            <a:pPr algn="ctr"/>
-            <a:r>
-              <a:rPr lang="es-MX" sz="2800" dirty="0"/>
-              <a:t>Número de fichas</a:t>
-            </a:r>
-            <a:endParaRPr lang="en-US" sz="2800" dirty="0"/>
-          </a:p>
-        </p:txBody>
-      </p:sp>
-      <p:sp>
-        <p:nvSpPr>
-          <p:cNvPr id="20" name="TextBox 19">
-            <a:extLst>
-              <a:ext uri="{FF2B5EF4-FFF2-40B4-BE49-F238E27FC236}">
-                <a16:creationId xmlns:a16="http://schemas.microsoft.com/office/drawing/2014/main" id="{DE090B91-D5A1-B8BA-91D8-A532033296C8}"/>
-              </a:ext>
-            </a:extLst>
-          </p:cNvPr>
-          <p:cNvSpPr txBox="1"/>
-          <p:nvPr/>
-        </p:nvSpPr>
-        <p:spPr>
-          <a:xfrm>
-            <a:off x="879943" y="4602702"/>
-            <a:ext cx="2258237" cy="523220"/>
-          </a:xfrm>
-          <a:prstGeom prst="rect">
-            <a:avLst/>
-          </a:prstGeom>
-          <a:noFill/>
-        </p:spPr>
-        <p:txBody>
-          <a:bodyPr wrap="square" rtlCol="0">
-            <a:spAutoFit/>
-          </a:bodyPr>
-          <a:lstStyle/>
-          <a:p>
-            <a:pPr algn="ctr"/>
-            <a:r>
-              <a:rPr lang="es-MX" sz="2800" dirty="0"/>
-              <a:t>Aleatoriedad</a:t>
-            </a:r>
-            <a:endParaRPr lang="en-US" sz="2800" dirty="0"/>
-          </a:p>
-        </p:txBody>
-      </p:sp>
-      <p:pic>
-        <p:nvPicPr>
-          <p:cNvPr id="34" name="Picture 33">
-            <a:extLst>
-              <a:ext uri="{FF2B5EF4-FFF2-40B4-BE49-F238E27FC236}">
-                <a16:creationId xmlns:a16="http://schemas.microsoft.com/office/drawing/2014/main" id="{A7A43046-E5C4-1DBB-E160-2F929D5934B4}"/>
-              </a:ext>
-            </a:extLst>
-          </p:cNvPr>
-          <p:cNvPicPr>
-            <a:picLocks noChangeAspect="1"/>
-          </p:cNvPicPr>
-          <p:nvPr/>
-        </p:nvPicPr>
-        <p:blipFill>
-          <a:blip r:embed="rId7"/>
-          <a:stretch>
-            <a:fillRect/>
-          </a:stretch>
-        </p:blipFill>
-        <p:spPr>
-          <a:xfrm rot="20902304">
-            <a:off x="4592632" y="2632473"/>
-            <a:ext cx="2760490" cy="2760490"/>
-          </a:xfrm>
-          <a:prstGeom prst="rect">
-            <a:avLst/>
-          </a:prstGeom>
-        </p:spPr>
-      </p:pic>
-      <p:sp>
-        <p:nvSpPr>
-          <p:cNvPr id="48" name="Oval 47">
-            <a:extLst>
-              <a:ext uri="{FF2B5EF4-FFF2-40B4-BE49-F238E27FC236}">
-                <a16:creationId xmlns:a16="http://schemas.microsoft.com/office/drawing/2014/main" id="{3F747988-E926-F216-3246-83FA56FB81CE}"/>
+          <p:cNvPr id="7" name="Oval 6">
+            <a:extLst>
+              <a:ext uri="{FF2B5EF4-FFF2-40B4-BE49-F238E27FC236}">
+                <a16:creationId xmlns:a16="http://schemas.microsoft.com/office/drawing/2014/main" id="{27B2E37C-8096-4CD8-75A5-4C610F4FE614}"/>
               </a:ext>
             </a:extLst>
           </p:cNvPr>
@@ -14215,10 +13938,10 @@
       </p:sp>
       <p:sp>
         <p:nvSpPr>
-          <p:cNvPr id="49" name="Oval 48">
-            <a:extLst>
-              <a:ext uri="{FF2B5EF4-FFF2-40B4-BE49-F238E27FC236}">
-                <a16:creationId xmlns:a16="http://schemas.microsoft.com/office/drawing/2014/main" id="{D11BB128-CBE5-10AD-C5DF-D9CE7ACA1757}"/>
+          <p:cNvPr id="8" name="Oval 7">
+            <a:extLst>
+              <a:ext uri="{FF2B5EF4-FFF2-40B4-BE49-F238E27FC236}">
+                <a16:creationId xmlns:a16="http://schemas.microsoft.com/office/drawing/2014/main" id="{296C4283-BAAF-2B3B-9E90-2EFF2B8160C9}"/>
               </a:ext>
             </a:extLst>
           </p:cNvPr>
@@ -14270,10 +13993,10 @@
       </p:sp>
       <p:sp>
         <p:nvSpPr>
-          <p:cNvPr id="50" name="Oval 49">
-            <a:extLst>
-              <a:ext uri="{FF2B5EF4-FFF2-40B4-BE49-F238E27FC236}">
-                <a16:creationId xmlns:a16="http://schemas.microsoft.com/office/drawing/2014/main" id="{E1CB69A2-697B-EC98-B49C-7A3C4D4C7E58}"/>
+          <p:cNvPr id="9" name="Oval 8">
+            <a:extLst>
+              <a:ext uri="{FF2B5EF4-FFF2-40B4-BE49-F238E27FC236}">
+                <a16:creationId xmlns:a16="http://schemas.microsoft.com/office/drawing/2014/main" id="{89B40615-BF31-0FA9-49F0-D390E781B3DC}"/>
               </a:ext>
             </a:extLst>
           </p:cNvPr>
@@ -14325,10 +14048,10 @@
       </p:sp>
       <p:sp>
         <p:nvSpPr>
-          <p:cNvPr id="51" name="Oval 50">
-            <a:extLst>
-              <a:ext uri="{FF2B5EF4-FFF2-40B4-BE49-F238E27FC236}">
-                <a16:creationId xmlns:a16="http://schemas.microsoft.com/office/drawing/2014/main" id="{82BC4DAB-5B30-0459-F9C5-576481679FE2}"/>
+          <p:cNvPr id="10" name="Oval 9">
+            <a:extLst>
+              <a:ext uri="{FF2B5EF4-FFF2-40B4-BE49-F238E27FC236}">
+                <a16:creationId xmlns:a16="http://schemas.microsoft.com/office/drawing/2014/main" id="{85FDC934-3D60-F08A-AD95-92A98D883565}"/>
               </a:ext>
             </a:extLst>
           </p:cNvPr>
@@ -14380,10 +14103,10 @@
       </p:sp>
       <p:sp>
         <p:nvSpPr>
-          <p:cNvPr id="52" name="Oval 51">
-            <a:extLst>
-              <a:ext uri="{FF2B5EF4-FFF2-40B4-BE49-F238E27FC236}">
-                <a16:creationId xmlns:a16="http://schemas.microsoft.com/office/drawing/2014/main" id="{A204E81C-77E6-B0D0-5691-145E612B5D82}"/>
+          <p:cNvPr id="11" name="Oval 10">
+            <a:extLst>
+              <a:ext uri="{FF2B5EF4-FFF2-40B4-BE49-F238E27FC236}">
+                <a16:creationId xmlns:a16="http://schemas.microsoft.com/office/drawing/2014/main" id="{12E34AA9-8DBD-C799-8498-33D9179B63E9}"/>
               </a:ext>
             </a:extLst>
           </p:cNvPr>
@@ -14435,10 +14158,10 @@
       </p:sp>
       <p:sp>
         <p:nvSpPr>
-          <p:cNvPr id="53" name="Oval 52">
-            <a:extLst>
-              <a:ext uri="{FF2B5EF4-FFF2-40B4-BE49-F238E27FC236}">
-                <a16:creationId xmlns:a16="http://schemas.microsoft.com/office/drawing/2014/main" id="{8F797486-FB5F-E93D-BFC2-E04031F122CA}"/>
+          <p:cNvPr id="12" name="Oval 11">
+            <a:extLst>
+              <a:ext uri="{FF2B5EF4-FFF2-40B4-BE49-F238E27FC236}">
+                <a16:creationId xmlns:a16="http://schemas.microsoft.com/office/drawing/2014/main" id="{A53B600D-83FB-F04A-319F-6B88E5563A8C}"/>
               </a:ext>
             </a:extLst>
           </p:cNvPr>
@@ -14490,10 +14213,10 @@
       </p:sp>
       <p:sp>
         <p:nvSpPr>
-          <p:cNvPr id="54" name="Oval 53">
-            <a:extLst>
-              <a:ext uri="{FF2B5EF4-FFF2-40B4-BE49-F238E27FC236}">
-                <a16:creationId xmlns:a16="http://schemas.microsoft.com/office/drawing/2014/main" id="{FAF9F53E-11CE-B1ED-E808-1340C56918E6}"/>
+          <p:cNvPr id="13" name="Oval 12">
+            <a:extLst>
+              <a:ext uri="{FF2B5EF4-FFF2-40B4-BE49-F238E27FC236}">
+                <a16:creationId xmlns:a16="http://schemas.microsoft.com/office/drawing/2014/main" id="{5DE45A92-694E-8694-3B2D-CF9B0D453EE3}"/>
               </a:ext>
             </a:extLst>
           </p:cNvPr>
@@ -14545,10 +14268,10 @@
       </p:sp>
       <p:sp>
         <p:nvSpPr>
-          <p:cNvPr id="55" name="Oval 54">
-            <a:extLst>
-              <a:ext uri="{FF2B5EF4-FFF2-40B4-BE49-F238E27FC236}">
-                <a16:creationId xmlns:a16="http://schemas.microsoft.com/office/drawing/2014/main" id="{8E3BB149-55B6-711A-F80F-D6946AD7261F}"/>
+          <p:cNvPr id="14" name="Oval 13">
+            <a:extLst>
+              <a:ext uri="{FF2B5EF4-FFF2-40B4-BE49-F238E27FC236}">
+                <a16:creationId xmlns:a16="http://schemas.microsoft.com/office/drawing/2014/main" id="{E13D6DD8-AC2D-F155-0D4E-81510632838A}"/>
               </a:ext>
             </a:extLst>
           </p:cNvPr>
@@ -14600,10 +14323,10 @@
       </p:sp>
       <p:sp>
         <p:nvSpPr>
-          <p:cNvPr id="56" name="Oval 55">
-            <a:extLst>
-              <a:ext uri="{FF2B5EF4-FFF2-40B4-BE49-F238E27FC236}">
-                <a16:creationId xmlns:a16="http://schemas.microsoft.com/office/drawing/2014/main" id="{F84DB5C9-DB41-15BB-2A07-EAF031A447C4}"/>
+          <p:cNvPr id="15" name="Oval 14">
+            <a:extLst>
+              <a:ext uri="{FF2B5EF4-FFF2-40B4-BE49-F238E27FC236}">
+                <a16:creationId xmlns:a16="http://schemas.microsoft.com/office/drawing/2014/main" id="{28C94B99-47ED-95FB-4590-17D89D76939C}"/>
               </a:ext>
             </a:extLst>
           </p:cNvPr>
@@ -14655,10 +14378,10 @@
       </p:sp>
       <p:sp>
         <p:nvSpPr>
-          <p:cNvPr id="57" name="Oval 56">
-            <a:extLst>
-              <a:ext uri="{FF2B5EF4-FFF2-40B4-BE49-F238E27FC236}">
-                <a16:creationId xmlns:a16="http://schemas.microsoft.com/office/drawing/2014/main" id="{46A54838-9996-0AC4-282A-CC4EAC29BFF9}"/>
+          <p:cNvPr id="16" name="Oval 15">
+            <a:extLst>
+              <a:ext uri="{FF2B5EF4-FFF2-40B4-BE49-F238E27FC236}">
+                <a16:creationId xmlns:a16="http://schemas.microsoft.com/office/drawing/2014/main" id="{07F63557-81FE-79D2-B7DA-DFC3FB807ADD}"/>
               </a:ext>
             </a:extLst>
           </p:cNvPr>
@@ -14710,10 +14433,10 @@
       </p:sp>
       <p:sp>
         <p:nvSpPr>
-          <p:cNvPr id="58" name="Oval 57">
-            <a:extLst>
-              <a:ext uri="{FF2B5EF4-FFF2-40B4-BE49-F238E27FC236}">
-                <a16:creationId xmlns:a16="http://schemas.microsoft.com/office/drawing/2014/main" id="{541A3BEC-1F37-A11D-9725-A9E7389D69C5}"/>
+          <p:cNvPr id="17" name="Oval 16">
+            <a:extLst>
+              <a:ext uri="{FF2B5EF4-FFF2-40B4-BE49-F238E27FC236}">
+                <a16:creationId xmlns:a16="http://schemas.microsoft.com/office/drawing/2014/main" id="{B085F61F-BD82-9B5D-92CE-261D429F7901}"/>
               </a:ext>
             </a:extLst>
           </p:cNvPr>
@@ -14765,10 +14488,10 @@
       </p:sp>
       <p:sp>
         <p:nvSpPr>
-          <p:cNvPr id="59" name="Oval 58">
-            <a:extLst>
-              <a:ext uri="{FF2B5EF4-FFF2-40B4-BE49-F238E27FC236}">
-                <a16:creationId xmlns:a16="http://schemas.microsoft.com/office/drawing/2014/main" id="{FD6C984E-D885-12AC-72EA-0974CCE76332}"/>
+          <p:cNvPr id="18" name="Oval 17">
+            <a:extLst>
+              <a:ext uri="{FF2B5EF4-FFF2-40B4-BE49-F238E27FC236}">
+                <a16:creationId xmlns:a16="http://schemas.microsoft.com/office/drawing/2014/main" id="{0C4E191B-06F5-91C2-C3C2-AA4EAA112487}"/>
               </a:ext>
             </a:extLst>
           </p:cNvPr>
@@ -14820,10 +14543,10 @@
       </p:sp>
       <p:sp>
         <p:nvSpPr>
-          <p:cNvPr id="60" name="Oval 59">
-            <a:extLst>
-              <a:ext uri="{FF2B5EF4-FFF2-40B4-BE49-F238E27FC236}">
-                <a16:creationId xmlns:a16="http://schemas.microsoft.com/office/drawing/2014/main" id="{F500BFF1-540C-3470-475E-6810EB291B8E}"/>
+          <p:cNvPr id="19" name="Oval 18">
+            <a:extLst>
+              <a:ext uri="{FF2B5EF4-FFF2-40B4-BE49-F238E27FC236}">
+                <a16:creationId xmlns:a16="http://schemas.microsoft.com/office/drawing/2014/main" id="{1B2A85FF-18B2-C0DB-4EBA-7392FD5CBDFD}"/>
               </a:ext>
             </a:extLst>
           </p:cNvPr>
@@ -14875,10 +14598,10 @@
       </p:sp>
       <p:sp>
         <p:nvSpPr>
-          <p:cNvPr id="61" name="Oval 60">
-            <a:extLst>
-              <a:ext uri="{FF2B5EF4-FFF2-40B4-BE49-F238E27FC236}">
-                <a16:creationId xmlns:a16="http://schemas.microsoft.com/office/drawing/2014/main" id="{980D4ADB-AAC2-6DD3-4197-79C6794979F8}"/>
+          <p:cNvPr id="20" name="Oval 19">
+            <a:extLst>
+              <a:ext uri="{FF2B5EF4-FFF2-40B4-BE49-F238E27FC236}">
+                <a16:creationId xmlns:a16="http://schemas.microsoft.com/office/drawing/2014/main" id="{B0AAA9A2-BD4F-CC81-F3A5-18DF5D5616C0}"/>
               </a:ext>
             </a:extLst>
           </p:cNvPr>
@@ -14930,10 +14653,10 @@
       </p:sp>
       <p:sp>
         <p:nvSpPr>
-          <p:cNvPr id="62" name="Oval 61">
-            <a:extLst>
-              <a:ext uri="{FF2B5EF4-FFF2-40B4-BE49-F238E27FC236}">
-                <a16:creationId xmlns:a16="http://schemas.microsoft.com/office/drawing/2014/main" id="{833B173E-F106-9AC2-B8A0-47A58EE19979}"/>
+          <p:cNvPr id="21" name="Oval 20">
+            <a:extLst>
+              <a:ext uri="{FF2B5EF4-FFF2-40B4-BE49-F238E27FC236}">
+                <a16:creationId xmlns:a16="http://schemas.microsoft.com/office/drawing/2014/main" id="{E62A6EB9-CC33-7B9C-4A17-F3F07187423B}"/>
               </a:ext>
             </a:extLst>
           </p:cNvPr>
@@ -14983,532 +14706,80 @@
           </a:p>
         </p:txBody>
       </p:sp>
+      <p:pic>
+        <p:nvPicPr>
+          <p:cNvPr id="22" name="Picture 21" descr="A screenshot of a computer program&#10;&#10;Description automatically generated">
+            <a:extLst>
+              <a:ext uri="{FF2B5EF4-FFF2-40B4-BE49-F238E27FC236}">
+                <a16:creationId xmlns:a16="http://schemas.microsoft.com/office/drawing/2014/main" id="{CDD7396A-5EA4-DBD1-DE98-A8DA45EA77D3}"/>
+              </a:ext>
+            </a:extLst>
+          </p:cNvPr>
+          <p:cNvPicPr>
+            <a:picLocks noChangeAspect="1"/>
+          </p:cNvPicPr>
+          <p:nvPr/>
+        </p:nvPicPr>
+        <p:blipFill>
+          <a:blip r:embed="rId2"/>
+          <a:stretch>
+            <a:fillRect/>
+          </a:stretch>
+        </p:blipFill>
+        <p:spPr>
+          <a:xfrm>
+            <a:off x="1144774" y="996791"/>
+            <a:ext cx="9460876" cy="5587365"/>
+          </a:xfrm>
+          <a:prstGeom prst="rect">
+            <a:avLst/>
+          </a:prstGeom>
+        </p:spPr>
+      </p:pic>
+      <p:sp>
+        <p:nvSpPr>
+          <p:cNvPr id="23" name="Footer Placeholder 13">
+            <a:extLst>
+              <a:ext uri="{FF2B5EF4-FFF2-40B4-BE49-F238E27FC236}">
+                <a16:creationId xmlns:a16="http://schemas.microsoft.com/office/drawing/2014/main" id="{1D40B6AF-E542-E9EF-6F05-EE27F1EB202C}"/>
+              </a:ext>
+            </a:extLst>
+          </p:cNvPr>
+          <p:cNvSpPr>
+            <a:spLocks noGrp="1"/>
+          </p:cNvSpPr>
+          <p:nvPr>
+            <p:ph type="ftr" sz="quarter" idx="11"/>
+          </p:nvPr>
+        </p:nvSpPr>
+        <p:spPr>
+          <a:xfrm>
+            <a:off x="550863" y="6507212"/>
+            <a:ext cx="6379210" cy="153888"/>
+          </a:xfrm>
+        </p:spPr>
+        <p:txBody>
+          <a:bodyPr/>
+          <a:lstStyle/>
+          <a:p>
+            <a:r>
+              <a:rPr lang="es-MX" dirty="0"/>
+              <a:t>ITAM | Inteligencia Artificial | Otoño 2023</a:t>
+            </a:r>
+            <a:endParaRPr lang="en-US" dirty="0"/>
+          </a:p>
+        </p:txBody>
+      </p:sp>
     </p:spTree>
     <p:extLst>
       <p:ext uri="{BB962C8B-B14F-4D97-AF65-F5344CB8AC3E}">
-        <p14:creationId xmlns:p14="http://schemas.microsoft.com/office/powerpoint/2010/main" val="3339935709"/>
+        <p14:creationId xmlns:p14="http://schemas.microsoft.com/office/powerpoint/2010/main" val="989128626"/>
       </p:ext>
     </p:extLst>
   </p:cSld>
   <p:clrMapOvr>
     <a:masterClrMapping/>
   </p:clrMapOvr>
-  <p:timing>
-    <p:tnLst>
-      <p:par>
-        <p:cTn id="1" dur="indefinite" restart="never" nodeType="tmRoot">
-          <p:childTnLst>
-            <p:seq concurrent="1" nextAc="seek">
-              <p:cTn id="2" dur="indefinite" nodeType="mainSeq">
-                <p:childTnLst>
-                  <p:par>
-                    <p:cTn id="3" fill="hold">
-                      <p:stCondLst>
-                        <p:cond delay="indefinite"/>
-                      </p:stCondLst>
-                      <p:childTnLst>
-                        <p:par>
-                          <p:cTn id="4" fill="hold">
-                            <p:stCondLst>
-                              <p:cond delay="0"/>
-                            </p:stCondLst>
-                            <p:childTnLst>
-                              <p:par>
-                                <p:cTn id="5" presetID="10" presetClass="entr" presetSubtype="0" fill="hold" nodeType="clickEffect">
-                                  <p:stCondLst>
-                                    <p:cond delay="0"/>
-                                  </p:stCondLst>
-                                  <p:childTnLst>
-                                    <p:set>
-                                      <p:cBhvr>
-                                        <p:cTn id="6" dur="1" fill="hold">
-                                          <p:stCondLst>
-                                            <p:cond delay="0"/>
-                                          </p:stCondLst>
-                                        </p:cTn>
-                                        <p:tgtEl>
-                                          <p:spTgt spid="8"/>
-                                        </p:tgtEl>
-                                        <p:attrNameLst>
-                                          <p:attrName>style.visibility</p:attrName>
-                                        </p:attrNameLst>
-                                      </p:cBhvr>
-                                      <p:to>
-                                        <p:strVal val="visible"/>
-                                      </p:to>
-                                    </p:set>
-                                    <p:animEffect transition="in" filter="fade">
-                                      <p:cBhvr>
-                                        <p:cTn id="7" dur="500"/>
-                                        <p:tgtEl>
-                                          <p:spTgt spid="8"/>
-                                        </p:tgtEl>
-                                      </p:cBhvr>
-                                    </p:animEffect>
-                                  </p:childTnLst>
-                                  <p:subTnLst>
-                                    <p:animClr clrSpc="rgb" dir="cw">
-                                      <p:cBhvr override="childStyle">
-                                        <p:cTn dur="1" fill="hold" display="0" masterRel="nextClick" afterEffect="1"/>
-                                        <p:tgtEl>
-                                          <p:spTgt spid="8"/>
-                                        </p:tgtEl>
-                                        <p:attrNameLst>
-                                          <p:attrName>ppt_c</p:attrName>
-                                        </p:attrNameLst>
-                                      </p:cBhvr>
-                                      <p:to>
-                                        <a:schemeClr val="folHlink"/>
-                                      </p:to>
-                                    </p:animClr>
-                                  </p:subTnLst>
-                                </p:cTn>
-                              </p:par>
-                              <p:par>
-                                <p:cTn id="8" presetID="10" presetClass="entr" presetSubtype="0" fill="hold" grpId="0" nodeType="withEffect">
-                                  <p:stCondLst>
-                                    <p:cond delay="0"/>
-                                  </p:stCondLst>
-                                  <p:childTnLst>
-                                    <p:set>
-                                      <p:cBhvr>
-                                        <p:cTn id="9" dur="1" fill="hold">
-                                          <p:stCondLst>
-                                            <p:cond delay="0"/>
-                                          </p:stCondLst>
-                                        </p:cTn>
-                                        <p:tgtEl>
-                                          <p:spTgt spid="17"/>
-                                        </p:tgtEl>
-                                        <p:attrNameLst>
-                                          <p:attrName>style.visibility</p:attrName>
-                                        </p:attrNameLst>
-                                      </p:cBhvr>
-                                      <p:to>
-                                        <p:strVal val="visible"/>
-                                      </p:to>
-                                    </p:set>
-                                    <p:animEffect transition="in" filter="fade">
-                                      <p:cBhvr>
-                                        <p:cTn id="10" dur="500"/>
-                                        <p:tgtEl>
-                                          <p:spTgt spid="17"/>
-                                        </p:tgtEl>
-                                      </p:cBhvr>
-                                    </p:animEffect>
-                                  </p:childTnLst>
-                                  <p:subTnLst>
-                                    <p:animClr clrSpc="rgb" dir="cw">
-                                      <p:cBhvr override="childStyle">
-                                        <p:cTn dur="1" fill="hold" display="0" masterRel="nextClick" afterEffect="1"/>
-                                        <p:tgtEl>
-                                          <p:spTgt spid="17"/>
-                                        </p:tgtEl>
-                                        <p:attrNameLst>
-                                          <p:attrName>ppt_c</p:attrName>
-                                        </p:attrNameLst>
-                                      </p:cBhvr>
-                                      <p:to>
-                                        <a:schemeClr val="folHlink"/>
-                                      </p:to>
-                                    </p:animClr>
-                                  </p:subTnLst>
-                                </p:cTn>
-                              </p:par>
-                            </p:childTnLst>
-                          </p:cTn>
-                        </p:par>
-                      </p:childTnLst>
-                    </p:cTn>
-                  </p:par>
-                  <p:par>
-                    <p:cTn id="11" fill="hold">
-                      <p:stCondLst>
-                        <p:cond delay="indefinite"/>
-                      </p:stCondLst>
-                      <p:childTnLst>
-                        <p:par>
-                          <p:cTn id="12" fill="hold">
-                            <p:stCondLst>
-                              <p:cond delay="0"/>
-                            </p:stCondLst>
-                            <p:childTnLst>
-                              <p:par>
-                                <p:cTn id="13" presetID="10" presetClass="entr" presetSubtype="0" fill="hold" nodeType="clickEffect">
-                                  <p:stCondLst>
-                                    <p:cond delay="0"/>
-                                  </p:stCondLst>
-                                  <p:childTnLst>
-                                    <p:set>
-                                      <p:cBhvr>
-                                        <p:cTn id="14" dur="1" fill="hold">
-                                          <p:stCondLst>
-                                            <p:cond delay="0"/>
-                                          </p:stCondLst>
-                                        </p:cTn>
-                                        <p:tgtEl>
-                                          <p:spTgt spid="12"/>
-                                        </p:tgtEl>
-                                        <p:attrNameLst>
-                                          <p:attrName>style.visibility</p:attrName>
-                                        </p:attrNameLst>
-                                      </p:cBhvr>
-                                      <p:to>
-                                        <p:strVal val="visible"/>
-                                      </p:to>
-                                    </p:set>
-                                    <p:animEffect transition="in" filter="fade">
-                                      <p:cBhvr>
-                                        <p:cTn id="15" dur="500"/>
-                                        <p:tgtEl>
-                                          <p:spTgt spid="12"/>
-                                        </p:tgtEl>
-                                      </p:cBhvr>
-                                    </p:animEffect>
-                                  </p:childTnLst>
-                                  <p:subTnLst>
-                                    <p:animClr clrSpc="rgb" dir="cw">
-                                      <p:cBhvr override="childStyle">
-                                        <p:cTn dur="1" fill="hold" display="0" masterRel="nextClick" afterEffect="1"/>
-                                        <p:tgtEl>
-                                          <p:spTgt spid="12"/>
-                                        </p:tgtEl>
-                                        <p:attrNameLst>
-                                          <p:attrName>ppt_c</p:attrName>
-                                        </p:attrNameLst>
-                                      </p:cBhvr>
-                                      <p:to>
-                                        <a:schemeClr val="folHlink"/>
-                                      </p:to>
-                                    </p:animClr>
-                                  </p:subTnLst>
-                                </p:cTn>
-                              </p:par>
-                              <p:par>
-                                <p:cTn id="16" presetID="10" presetClass="entr" presetSubtype="0" fill="hold" grpId="0" nodeType="withEffect">
-                                  <p:stCondLst>
-                                    <p:cond delay="0"/>
-                                  </p:stCondLst>
-                                  <p:childTnLst>
-                                    <p:set>
-                                      <p:cBhvr>
-                                        <p:cTn id="17" dur="1" fill="hold">
-                                          <p:stCondLst>
-                                            <p:cond delay="0"/>
-                                          </p:stCondLst>
-                                        </p:cTn>
-                                        <p:tgtEl>
-                                          <p:spTgt spid="20"/>
-                                        </p:tgtEl>
-                                        <p:attrNameLst>
-                                          <p:attrName>style.visibility</p:attrName>
-                                        </p:attrNameLst>
-                                      </p:cBhvr>
-                                      <p:to>
-                                        <p:strVal val="visible"/>
-                                      </p:to>
-                                    </p:set>
-                                    <p:animEffect transition="in" filter="fade">
-                                      <p:cBhvr>
-                                        <p:cTn id="18" dur="500"/>
-                                        <p:tgtEl>
-                                          <p:spTgt spid="20"/>
-                                        </p:tgtEl>
-                                      </p:cBhvr>
-                                    </p:animEffect>
-                                  </p:childTnLst>
-                                  <p:subTnLst>
-                                    <p:animClr clrSpc="rgb" dir="cw">
-                                      <p:cBhvr override="childStyle">
-                                        <p:cTn dur="1" fill="hold" display="0" masterRel="nextClick" afterEffect="1"/>
-                                        <p:tgtEl>
-                                          <p:spTgt spid="20"/>
-                                        </p:tgtEl>
-                                        <p:attrNameLst>
-                                          <p:attrName>ppt_c</p:attrName>
-                                        </p:attrNameLst>
-                                      </p:cBhvr>
-                                      <p:to>
-                                        <a:schemeClr val="folHlink"/>
-                                      </p:to>
-                                    </p:animClr>
-                                  </p:subTnLst>
-                                </p:cTn>
-                              </p:par>
-                            </p:childTnLst>
-                          </p:cTn>
-                        </p:par>
-                      </p:childTnLst>
-                    </p:cTn>
-                  </p:par>
-                  <p:par>
-                    <p:cTn id="19" fill="hold">
-                      <p:stCondLst>
-                        <p:cond delay="indefinite"/>
-                      </p:stCondLst>
-                      <p:childTnLst>
-                        <p:par>
-                          <p:cTn id="20" fill="hold">
-                            <p:stCondLst>
-                              <p:cond delay="0"/>
-                            </p:stCondLst>
-                            <p:childTnLst>
-                              <p:par>
-                                <p:cTn id="21" presetID="10" presetClass="entr" presetSubtype="0" fill="hold" nodeType="clickEffect">
-                                  <p:stCondLst>
-                                    <p:cond delay="0"/>
-                                  </p:stCondLst>
-                                  <p:childTnLst>
-                                    <p:set>
-                                      <p:cBhvr>
-                                        <p:cTn id="22" dur="1" fill="hold">
-                                          <p:stCondLst>
-                                            <p:cond delay="0"/>
-                                          </p:stCondLst>
-                                        </p:cTn>
-                                        <p:tgtEl>
-                                          <p:spTgt spid="14"/>
-                                        </p:tgtEl>
-                                        <p:attrNameLst>
-                                          <p:attrName>style.visibility</p:attrName>
-                                        </p:attrNameLst>
-                                      </p:cBhvr>
-                                      <p:to>
-                                        <p:strVal val="visible"/>
-                                      </p:to>
-                                    </p:set>
-                                    <p:animEffect transition="in" filter="fade">
-                                      <p:cBhvr>
-                                        <p:cTn id="23" dur="500"/>
-                                        <p:tgtEl>
-                                          <p:spTgt spid="14"/>
-                                        </p:tgtEl>
-                                      </p:cBhvr>
-                                    </p:animEffect>
-                                  </p:childTnLst>
-                                  <p:subTnLst>
-                                    <p:animClr clrSpc="rgb" dir="cw">
-                                      <p:cBhvr override="childStyle">
-                                        <p:cTn dur="1" fill="hold" display="0" masterRel="nextClick" afterEffect="1"/>
-                                        <p:tgtEl>
-                                          <p:spTgt spid="14"/>
-                                        </p:tgtEl>
-                                        <p:attrNameLst>
-                                          <p:attrName>ppt_c</p:attrName>
-                                        </p:attrNameLst>
-                                      </p:cBhvr>
-                                      <p:to>
-                                        <a:schemeClr val="folHlink"/>
-                                      </p:to>
-                                    </p:animClr>
-                                  </p:subTnLst>
-                                </p:cTn>
-                              </p:par>
-                              <p:par>
-                                <p:cTn id="24" presetID="10" presetClass="entr" presetSubtype="0" fill="hold" grpId="0" nodeType="withEffect">
-                                  <p:stCondLst>
-                                    <p:cond delay="0"/>
-                                  </p:stCondLst>
-                                  <p:childTnLst>
-                                    <p:set>
-                                      <p:cBhvr>
-                                        <p:cTn id="25" dur="1" fill="hold">
-                                          <p:stCondLst>
-                                            <p:cond delay="0"/>
-                                          </p:stCondLst>
-                                        </p:cTn>
-                                        <p:tgtEl>
-                                          <p:spTgt spid="18"/>
-                                        </p:tgtEl>
-                                        <p:attrNameLst>
-                                          <p:attrName>style.visibility</p:attrName>
-                                        </p:attrNameLst>
-                                      </p:cBhvr>
-                                      <p:to>
-                                        <p:strVal val="visible"/>
-                                      </p:to>
-                                    </p:set>
-                                    <p:animEffect transition="in" filter="fade">
-                                      <p:cBhvr>
-                                        <p:cTn id="26" dur="500"/>
-                                        <p:tgtEl>
-                                          <p:spTgt spid="18"/>
-                                        </p:tgtEl>
-                                      </p:cBhvr>
-                                    </p:animEffect>
-                                  </p:childTnLst>
-                                  <p:subTnLst>
-                                    <p:animClr clrSpc="rgb" dir="cw">
-                                      <p:cBhvr override="childStyle">
-                                        <p:cTn dur="1" fill="hold" display="0" masterRel="nextClick" afterEffect="1"/>
-                                        <p:tgtEl>
-                                          <p:spTgt spid="18"/>
-                                        </p:tgtEl>
-                                        <p:attrNameLst>
-                                          <p:attrName>ppt_c</p:attrName>
-                                        </p:attrNameLst>
-                                      </p:cBhvr>
-                                      <p:to>
-                                        <a:schemeClr val="folHlink"/>
-                                      </p:to>
-                                    </p:animClr>
-                                  </p:subTnLst>
-                                </p:cTn>
-                              </p:par>
-                            </p:childTnLst>
-                          </p:cTn>
-                        </p:par>
-                      </p:childTnLst>
-                    </p:cTn>
-                  </p:par>
-                  <p:par>
-                    <p:cTn id="27" fill="hold">
-                      <p:stCondLst>
-                        <p:cond delay="indefinite"/>
-                      </p:stCondLst>
-                      <p:childTnLst>
-                        <p:par>
-                          <p:cTn id="28" fill="hold">
-                            <p:stCondLst>
-                              <p:cond delay="0"/>
-                            </p:stCondLst>
-                            <p:childTnLst>
-                              <p:par>
-                                <p:cTn id="29" presetID="10" presetClass="entr" presetSubtype="0" fill="hold" nodeType="clickEffect">
-                                  <p:stCondLst>
-                                    <p:cond delay="0"/>
-                                  </p:stCondLst>
-                                  <p:childTnLst>
-                                    <p:set>
-                                      <p:cBhvr>
-                                        <p:cTn id="30" dur="1" fill="hold">
-                                          <p:stCondLst>
-                                            <p:cond delay="0"/>
-                                          </p:stCondLst>
-                                        </p:cTn>
-                                        <p:tgtEl>
-                                          <p:spTgt spid="10"/>
-                                        </p:tgtEl>
-                                        <p:attrNameLst>
-                                          <p:attrName>style.visibility</p:attrName>
-                                        </p:attrNameLst>
-                                      </p:cBhvr>
-                                      <p:to>
-                                        <p:strVal val="visible"/>
-                                      </p:to>
-                                    </p:set>
-                                    <p:animEffect transition="in" filter="fade">
-                                      <p:cBhvr>
-                                        <p:cTn id="31" dur="500"/>
-                                        <p:tgtEl>
-                                          <p:spTgt spid="10"/>
-                                        </p:tgtEl>
-                                      </p:cBhvr>
-                                    </p:animEffect>
-                                  </p:childTnLst>
-                                  <p:subTnLst>
-                                    <p:animClr clrSpc="rgb" dir="cw">
-                                      <p:cBhvr override="childStyle">
-                                        <p:cTn dur="1" fill="hold" display="0" masterRel="nextClick" afterEffect="1"/>
-                                        <p:tgtEl>
-                                          <p:spTgt spid="10"/>
-                                        </p:tgtEl>
-                                        <p:attrNameLst>
-                                          <p:attrName>ppt_c</p:attrName>
-                                        </p:attrNameLst>
-                                      </p:cBhvr>
-                                      <p:to>
-                                        <a:schemeClr val="folHlink"/>
-                                      </p:to>
-                                    </p:animClr>
-                                  </p:subTnLst>
-                                </p:cTn>
-                              </p:par>
-                              <p:par>
-                                <p:cTn id="32" presetID="10" presetClass="entr" presetSubtype="0" fill="hold" grpId="0" nodeType="withEffect">
-                                  <p:stCondLst>
-                                    <p:cond delay="0"/>
-                                  </p:stCondLst>
-                                  <p:childTnLst>
-                                    <p:set>
-                                      <p:cBhvr>
-                                        <p:cTn id="33" dur="1" fill="hold">
-                                          <p:stCondLst>
-                                            <p:cond delay="0"/>
-                                          </p:stCondLst>
-                                        </p:cTn>
-                                        <p:tgtEl>
-                                          <p:spTgt spid="19"/>
-                                        </p:tgtEl>
-                                        <p:attrNameLst>
-                                          <p:attrName>style.visibility</p:attrName>
-                                        </p:attrNameLst>
-                                      </p:cBhvr>
-                                      <p:to>
-                                        <p:strVal val="visible"/>
-                                      </p:to>
-                                    </p:set>
-                                    <p:animEffect transition="in" filter="fade">
-                                      <p:cBhvr>
-                                        <p:cTn id="34" dur="500"/>
-                                        <p:tgtEl>
-                                          <p:spTgt spid="19"/>
-                                        </p:tgtEl>
-                                      </p:cBhvr>
-                                    </p:animEffect>
-                                  </p:childTnLst>
-                                  <p:subTnLst>
-                                    <p:animClr clrSpc="rgb" dir="cw">
-                                      <p:cBhvr override="childStyle">
-                                        <p:cTn dur="1" fill="hold" display="0" masterRel="nextClick" afterEffect="1"/>
-                                        <p:tgtEl>
-                                          <p:spTgt spid="19"/>
-                                        </p:tgtEl>
-                                        <p:attrNameLst>
-                                          <p:attrName>ppt_c</p:attrName>
-                                        </p:attrNameLst>
-                                      </p:cBhvr>
-                                      <p:to>
-                                        <a:schemeClr val="folHlink"/>
-                                      </p:to>
-                                    </p:animClr>
-                                  </p:subTnLst>
-                                </p:cTn>
-                              </p:par>
-                            </p:childTnLst>
-                          </p:cTn>
-                        </p:par>
-                      </p:childTnLst>
-                    </p:cTn>
-                  </p:par>
-                </p:childTnLst>
-              </p:cTn>
-              <p:prevCondLst>
-                <p:cond evt="onPrev" delay="0">
-                  <p:tgtEl>
-                    <p:sldTgt/>
-                  </p:tgtEl>
-                </p:cond>
-              </p:prevCondLst>
-              <p:nextCondLst>
-                <p:cond evt="onNext" delay="0">
-                  <p:tgtEl>
-                    <p:sldTgt/>
-                  </p:tgtEl>
-                </p:cond>
-              </p:nextCondLst>
-            </p:seq>
-          </p:childTnLst>
-        </p:cTn>
-      </p:par>
-    </p:tnLst>
-    <p:bldLst>
-      <p:bldP spid="17" grpId="0"/>
-      <p:bldP spid="18" grpId="0"/>
-      <p:bldP spid="19" grpId="0"/>
-      <p:bldP spid="20" grpId="0"/>
-    </p:bldLst>
-  </p:timing>
 </p:sld>
 </file>
 
@@ -33491,1022 +32762,6 @@
 <file path=ppt/slides/slide8.xml><?xml version="1.0" encoding="utf-8"?>
 <p:sld xmlns:a="http://schemas.openxmlformats.org/drawingml/2006/main" xmlns:r="http://schemas.openxmlformats.org/officeDocument/2006/relationships" xmlns:p="http://schemas.openxmlformats.org/presentationml/2006/main">
   <p:cSld>
-    <p:spTree>
-      <p:nvGrpSpPr>
-        <p:cNvPr id="1" name=""/>
-        <p:cNvGrpSpPr/>
-        <p:nvPr/>
-      </p:nvGrpSpPr>
-      <p:grpSpPr>
-        <a:xfrm>
-          <a:off x="0" y="0"/>
-          <a:ext cx="0" cy="0"/>
-          <a:chOff x="0" y="0"/>
-          <a:chExt cx="0" cy="0"/>
-        </a:xfrm>
-      </p:grpSpPr>
-      <p:sp>
-        <p:nvSpPr>
-          <p:cNvPr id="2" name="Title 1">
-            <a:extLst>
-              <a:ext uri="{FF2B5EF4-FFF2-40B4-BE49-F238E27FC236}">
-                <a16:creationId xmlns:a16="http://schemas.microsoft.com/office/drawing/2014/main" id="{5754511A-1AB4-80DB-D9FF-DFE72346A3EA}"/>
-              </a:ext>
-            </a:extLst>
-          </p:cNvPr>
-          <p:cNvSpPr>
-            <a:spLocks noGrp="1"/>
-          </p:cNvSpPr>
-          <p:nvPr>
-            <p:ph type="title"/>
-          </p:nvPr>
-        </p:nvSpPr>
-        <p:spPr/>
-        <p:txBody>
-          <a:bodyPr/>
-          <a:lstStyle/>
-          <a:p>
-            <a:r>
-              <a:rPr lang="es-MX" dirty="0"/>
-              <a:t>Jugada</a:t>
-            </a:r>
-            <a:endParaRPr lang="en-US" dirty="0"/>
-          </a:p>
-        </p:txBody>
-      </p:sp>
-      <p:sp>
-        <p:nvSpPr>
-          <p:cNvPr id="4" name="Date Placeholder 3">
-            <a:extLst>
-              <a:ext uri="{FF2B5EF4-FFF2-40B4-BE49-F238E27FC236}">
-                <a16:creationId xmlns:a16="http://schemas.microsoft.com/office/drawing/2014/main" id="{D8E46503-4330-1AD5-A19D-DE53CF190811}"/>
-              </a:ext>
-            </a:extLst>
-          </p:cNvPr>
-          <p:cNvSpPr>
-            <a:spLocks noGrp="1"/>
-          </p:cNvSpPr>
-          <p:nvPr>
-            <p:ph type="dt" sz="half" idx="10"/>
-          </p:nvPr>
-        </p:nvSpPr>
-        <p:spPr/>
-        <p:txBody>
-          <a:bodyPr/>
-          <a:lstStyle/>
-          <a:p>
-            <a:r>
-              <a:rPr lang="en-US"/>
-              <a:t>Tuesday, February 2, 20XX</a:t>
-            </a:r>
-          </a:p>
-        </p:txBody>
-      </p:sp>
-      <p:sp>
-        <p:nvSpPr>
-          <p:cNvPr id="5" name="Footer Placeholder 4">
-            <a:extLst>
-              <a:ext uri="{FF2B5EF4-FFF2-40B4-BE49-F238E27FC236}">
-                <a16:creationId xmlns:a16="http://schemas.microsoft.com/office/drawing/2014/main" id="{DE89BBEF-EFA8-D1D6-E252-1D5485A75C1A}"/>
-              </a:ext>
-            </a:extLst>
-          </p:cNvPr>
-          <p:cNvSpPr>
-            <a:spLocks noGrp="1"/>
-          </p:cNvSpPr>
-          <p:nvPr>
-            <p:ph type="ftr" sz="quarter" idx="11"/>
-          </p:nvPr>
-        </p:nvSpPr>
-        <p:spPr/>
-        <p:txBody>
-          <a:bodyPr/>
-          <a:lstStyle/>
-          <a:p>
-            <a:r>
-              <a:rPr lang="en-US"/>
-              <a:t>Sample Footer Text</a:t>
-            </a:r>
-          </a:p>
-        </p:txBody>
-      </p:sp>
-      <p:sp>
-        <p:nvSpPr>
-          <p:cNvPr id="6" name="Slide Number Placeholder 5">
-            <a:extLst>
-              <a:ext uri="{FF2B5EF4-FFF2-40B4-BE49-F238E27FC236}">
-                <a16:creationId xmlns:a16="http://schemas.microsoft.com/office/drawing/2014/main" id="{27E103E4-923F-E5EF-294A-A2540D9729AF}"/>
-              </a:ext>
-            </a:extLst>
-          </p:cNvPr>
-          <p:cNvSpPr>
-            <a:spLocks noGrp="1"/>
-          </p:cNvSpPr>
-          <p:nvPr>
-            <p:ph type="sldNum" sz="quarter" idx="12"/>
-          </p:nvPr>
-        </p:nvSpPr>
-        <p:spPr/>
-        <p:txBody>
-          <a:bodyPr/>
-          <a:lstStyle/>
-          <a:p>
-            <a:fld id="{DBA1B0FB-D917-4C8C-928F-313BD683BF39}" type="slidenum">
-              <a:rPr lang="en-US" smtClean="0"/>
-              <a:t>8</a:t>
-            </a:fld>
-            <a:endParaRPr lang="en-US"/>
-          </a:p>
-        </p:txBody>
-      </p:sp>
-      <p:sp>
-        <p:nvSpPr>
-          <p:cNvPr id="7" name="Oval 6">
-            <a:extLst>
-              <a:ext uri="{FF2B5EF4-FFF2-40B4-BE49-F238E27FC236}">
-                <a16:creationId xmlns:a16="http://schemas.microsoft.com/office/drawing/2014/main" id="{27B2E37C-8096-4CD8-75A5-4C610F4FE614}"/>
-              </a:ext>
-            </a:extLst>
-          </p:cNvPr>
-          <p:cNvSpPr/>
-          <p:nvPr/>
-        </p:nvSpPr>
-        <p:spPr>
-          <a:xfrm>
-            <a:off x="4790625" y="97546"/>
-            <a:ext cx="92633" cy="92818"/>
-          </a:xfrm>
-          <a:prstGeom prst="ellipse">
-            <a:avLst/>
-          </a:prstGeom>
-          <a:solidFill>
-            <a:schemeClr val="bg2">
-              <a:lumMod val="10000"/>
-              <a:lumOff val="90000"/>
-            </a:schemeClr>
-          </a:solidFill>
-          <a:ln>
-            <a:noFill/>
-          </a:ln>
-        </p:spPr>
-        <p:style>
-          <a:lnRef idx="2">
-            <a:schemeClr val="accent1">
-              <a:shade val="15000"/>
-            </a:schemeClr>
-          </a:lnRef>
-          <a:fillRef idx="1">
-            <a:schemeClr val="accent1"/>
-          </a:fillRef>
-          <a:effectRef idx="0">
-            <a:schemeClr val="accent1"/>
-          </a:effectRef>
-          <a:fontRef idx="minor">
-            <a:schemeClr val="lt1"/>
-          </a:fontRef>
-        </p:style>
-        <p:txBody>
-          <a:bodyPr rtlCol="0" anchor="ctr"/>
-          <a:lstStyle/>
-          <a:p>
-            <a:pPr algn="ctr"/>
-            <a:endParaRPr lang="en-US"/>
-          </a:p>
-        </p:txBody>
-      </p:sp>
-      <p:sp>
-        <p:nvSpPr>
-          <p:cNvPr id="8" name="Oval 7">
-            <a:extLst>
-              <a:ext uri="{FF2B5EF4-FFF2-40B4-BE49-F238E27FC236}">
-                <a16:creationId xmlns:a16="http://schemas.microsoft.com/office/drawing/2014/main" id="{296C4283-BAAF-2B3B-9E90-2EFF2B8160C9}"/>
-              </a:ext>
-            </a:extLst>
-          </p:cNvPr>
-          <p:cNvSpPr/>
-          <p:nvPr/>
-        </p:nvSpPr>
-        <p:spPr>
-          <a:xfrm>
-            <a:off x="4971193" y="97546"/>
-            <a:ext cx="92633" cy="92818"/>
-          </a:xfrm>
-          <a:prstGeom prst="ellipse">
-            <a:avLst/>
-          </a:prstGeom>
-          <a:solidFill>
-            <a:schemeClr val="accent6">
-              <a:lumMod val="20000"/>
-              <a:lumOff val="80000"/>
-            </a:schemeClr>
-          </a:solidFill>
-          <a:ln>
-            <a:noFill/>
-          </a:ln>
-        </p:spPr>
-        <p:style>
-          <a:lnRef idx="2">
-            <a:schemeClr val="accent1">
-              <a:shade val="15000"/>
-            </a:schemeClr>
-          </a:lnRef>
-          <a:fillRef idx="1">
-            <a:schemeClr val="accent1"/>
-          </a:fillRef>
-          <a:effectRef idx="0">
-            <a:schemeClr val="accent1"/>
-          </a:effectRef>
-          <a:fontRef idx="minor">
-            <a:schemeClr val="lt1"/>
-          </a:fontRef>
-        </p:style>
-        <p:txBody>
-          <a:bodyPr rtlCol="0" anchor="ctr"/>
-          <a:lstStyle/>
-          <a:p>
-            <a:pPr algn="ctr"/>
-            <a:endParaRPr lang="en-US"/>
-          </a:p>
-        </p:txBody>
-      </p:sp>
-      <p:sp>
-        <p:nvSpPr>
-          <p:cNvPr id="9" name="Oval 8">
-            <a:extLst>
-              <a:ext uri="{FF2B5EF4-FFF2-40B4-BE49-F238E27FC236}">
-                <a16:creationId xmlns:a16="http://schemas.microsoft.com/office/drawing/2014/main" id="{89B40615-BF31-0FA9-49F0-D390E781B3DC}"/>
-              </a:ext>
-            </a:extLst>
-          </p:cNvPr>
-          <p:cNvSpPr/>
-          <p:nvPr/>
-        </p:nvSpPr>
-        <p:spPr>
-          <a:xfrm>
-            <a:off x="5151761" y="97546"/>
-            <a:ext cx="92633" cy="92818"/>
-          </a:xfrm>
-          <a:prstGeom prst="ellipse">
-            <a:avLst/>
-          </a:prstGeom>
-          <a:solidFill>
-            <a:schemeClr val="accent6">
-              <a:lumMod val="20000"/>
-              <a:lumOff val="80000"/>
-            </a:schemeClr>
-          </a:solidFill>
-          <a:ln>
-            <a:noFill/>
-          </a:ln>
-        </p:spPr>
-        <p:style>
-          <a:lnRef idx="2">
-            <a:schemeClr val="accent1">
-              <a:shade val="15000"/>
-            </a:schemeClr>
-          </a:lnRef>
-          <a:fillRef idx="1">
-            <a:schemeClr val="accent1"/>
-          </a:fillRef>
-          <a:effectRef idx="0">
-            <a:schemeClr val="accent1"/>
-          </a:effectRef>
-          <a:fontRef idx="minor">
-            <a:schemeClr val="lt1"/>
-          </a:fontRef>
-        </p:style>
-        <p:txBody>
-          <a:bodyPr rtlCol="0" anchor="ctr"/>
-          <a:lstStyle/>
-          <a:p>
-            <a:pPr algn="ctr"/>
-            <a:endParaRPr lang="en-US"/>
-          </a:p>
-        </p:txBody>
-      </p:sp>
-      <p:sp>
-        <p:nvSpPr>
-          <p:cNvPr id="10" name="Oval 9">
-            <a:extLst>
-              <a:ext uri="{FF2B5EF4-FFF2-40B4-BE49-F238E27FC236}">
-                <a16:creationId xmlns:a16="http://schemas.microsoft.com/office/drawing/2014/main" id="{85FDC934-3D60-F08A-AD95-92A98D883565}"/>
-              </a:ext>
-            </a:extLst>
-          </p:cNvPr>
-          <p:cNvSpPr/>
-          <p:nvPr/>
-        </p:nvSpPr>
-        <p:spPr>
-          <a:xfrm>
-            <a:off x="5332329" y="97546"/>
-            <a:ext cx="92633" cy="90981"/>
-          </a:xfrm>
-          <a:prstGeom prst="ellipse">
-            <a:avLst/>
-          </a:prstGeom>
-          <a:solidFill>
-            <a:schemeClr val="accent6">
-              <a:lumMod val="20000"/>
-              <a:lumOff val="80000"/>
-            </a:schemeClr>
-          </a:solidFill>
-          <a:ln>
-            <a:noFill/>
-          </a:ln>
-        </p:spPr>
-        <p:style>
-          <a:lnRef idx="2">
-            <a:schemeClr val="accent1">
-              <a:shade val="15000"/>
-            </a:schemeClr>
-          </a:lnRef>
-          <a:fillRef idx="1">
-            <a:schemeClr val="accent1"/>
-          </a:fillRef>
-          <a:effectRef idx="0">
-            <a:schemeClr val="accent1"/>
-          </a:effectRef>
-          <a:fontRef idx="minor">
-            <a:schemeClr val="lt1"/>
-          </a:fontRef>
-        </p:style>
-        <p:txBody>
-          <a:bodyPr rtlCol="0" anchor="ctr"/>
-          <a:lstStyle/>
-          <a:p>
-            <a:pPr algn="ctr"/>
-            <a:endParaRPr lang="en-US"/>
-          </a:p>
-        </p:txBody>
-      </p:sp>
-      <p:sp>
-        <p:nvSpPr>
-          <p:cNvPr id="11" name="Oval 10">
-            <a:extLst>
-              <a:ext uri="{FF2B5EF4-FFF2-40B4-BE49-F238E27FC236}">
-                <a16:creationId xmlns:a16="http://schemas.microsoft.com/office/drawing/2014/main" id="{12E34AA9-8DBD-C799-8498-33D9179B63E9}"/>
-              </a:ext>
-            </a:extLst>
-          </p:cNvPr>
-          <p:cNvSpPr/>
-          <p:nvPr/>
-        </p:nvSpPr>
-        <p:spPr>
-          <a:xfrm>
-            <a:off x="5512897" y="97546"/>
-            <a:ext cx="92633" cy="92818"/>
-          </a:xfrm>
-          <a:prstGeom prst="ellipse">
-            <a:avLst/>
-          </a:prstGeom>
-          <a:solidFill>
-            <a:schemeClr val="accent6">
-              <a:lumMod val="20000"/>
-              <a:lumOff val="80000"/>
-            </a:schemeClr>
-          </a:solidFill>
-          <a:ln>
-            <a:noFill/>
-          </a:ln>
-        </p:spPr>
-        <p:style>
-          <a:lnRef idx="2">
-            <a:schemeClr val="accent1">
-              <a:shade val="15000"/>
-            </a:schemeClr>
-          </a:lnRef>
-          <a:fillRef idx="1">
-            <a:schemeClr val="accent1"/>
-          </a:fillRef>
-          <a:effectRef idx="0">
-            <a:schemeClr val="accent1"/>
-          </a:effectRef>
-          <a:fontRef idx="minor">
-            <a:schemeClr val="lt1"/>
-          </a:fontRef>
-        </p:style>
-        <p:txBody>
-          <a:bodyPr rtlCol="0" anchor="ctr"/>
-          <a:lstStyle/>
-          <a:p>
-            <a:pPr algn="ctr"/>
-            <a:endParaRPr lang="en-US"/>
-          </a:p>
-        </p:txBody>
-      </p:sp>
-      <p:sp>
-        <p:nvSpPr>
-          <p:cNvPr id="12" name="Oval 11">
-            <a:extLst>
-              <a:ext uri="{FF2B5EF4-FFF2-40B4-BE49-F238E27FC236}">
-                <a16:creationId xmlns:a16="http://schemas.microsoft.com/office/drawing/2014/main" id="{A53B600D-83FB-F04A-319F-6B88E5563A8C}"/>
-              </a:ext>
-            </a:extLst>
-          </p:cNvPr>
-          <p:cNvSpPr/>
-          <p:nvPr/>
-        </p:nvSpPr>
-        <p:spPr>
-          <a:xfrm>
-            <a:off x="5694644" y="97546"/>
-            <a:ext cx="92633" cy="92818"/>
-          </a:xfrm>
-          <a:prstGeom prst="ellipse">
-            <a:avLst/>
-          </a:prstGeom>
-          <a:solidFill>
-            <a:schemeClr val="accent6">
-              <a:lumMod val="20000"/>
-              <a:lumOff val="80000"/>
-            </a:schemeClr>
-          </a:solidFill>
-          <a:ln>
-            <a:noFill/>
-          </a:ln>
-        </p:spPr>
-        <p:style>
-          <a:lnRef idx="2">
-            <a:schemeClr val="accent1">
-              <a:shade val="15000"/>
-            </a:schemeClr>
-          </a:lnRef>
-          <a:fillRef idx="1">
-            <a:schemeClr val="accent1"/>
-          </a:fillRef>
-          <a:effectRef idx="0">
-            <a:schemeClr val="accent1"/>
-          </a:effectRef>
-          <a:fontRef idx="minor">
-            <a:schemeClr val="lt1"/>
-          </a:fontRef>
-        </p:style>
-        <p:txBody>
-          <a:bodyPr rtlCol="0" anchor="ctr"/>
-          <a:lstStyle/>
-          <a:p>
-            <a:pPr algn="ctr"/>
-            <a:endParaRPr lang="en-US"/>
-          </a:p>
-        </p:txBody>
-      </p:sp>
-      <p:sp>
-        <p:nvSpPr>
-          <p:cNvPr id="13" name="Oval 12">
-            <a:extLst>
-              <a:ext uri="{FF2B5EF4-FFF2-40B4-BE49-F238E27FC236}">
-                <a16:creationId xmlns:a16="http://schemas.microsoft.com/office/drawing/2014/main" id="{5DE45A92-694E-8694-3B2D-CF9B0D453EE3}"/>
-              </a:ext>
-            </a:extLst>
-          </p:cNvPr>
-          <p:cNvSpPr/>
-          <p:nvPr/>
-        </p:nvSpPr>
-        <p:spPr>
-          <a:xfrm>
-            <a:off x="5875212" y="97546"/>
-            <a:ext cx="92633" cy="92818"/>
-          </a:xfrm>
-          <a:prstGeom prst="ellipse">
-            <a:avLst/>
-          </a:prstGeom>
-          <a:solidFill>
-            <a:schemeClr val="accent6">
-              <a:lumMod val="20000"/>
-              <a:lumOff val="80000"/>
-            </a:schemeClr>
-          </a:solidFill>
-          <a:ln>
-            <a:noFill/>
-          </a:ln>
-        </p:spPr>
-        <p:style>
-          <a:lnRef idx="2">
-            <a:schemeClr val="accent1">
-              <a:shade val="15000"/>
-            </a:schemeClr>
-          </a:lnRef>
-          <a:fillRef idx="1">
-            <a:schemeClr val="accent1"/>
-          </a:fillRef>
-          <a:effectRef idx="0">
-            <a:schemeClr val="accent1"/>
-          </a:effectRef>
-          <a:fontRef idx="minor">
-            <a:schemeClr val="lt1"/>
-          </a:fontRef>
-        </p:style>
-        <p:txBody>
-          <a:bodyPr rtlCol="0" anchor="ctr"/>
-          <a:lstStyle/>
-          <a:p>
-            <a:pPr algn="ctr"/>
-            <a:endParaRPr lang="en-US"/>
-          </a:p>
-        </p:txBody>
-      </p:sp>
-      <p:sp>
-        <p:nvSpPr>
-          <p:cNvPr id="14" name="Oval 13">
-            <a:extLst>
-              <a:ext uri="{FF2B5EF4-FFF2-40B4-BE49-F238E27FC236}">
-                <a16:creationId xmlns:a16="http://schemas.microsoft.com/office/drawing/2014/main" id="{E13D6DD8-AC2D-F155-0D4E-81510632838A}"/>
-              </a:ext>
-            </a:extLst>
-          </p:cNvPr>
-          <p:cNvSpPr/>
-          <p:nvPr/>
-        </p:nvSpPr>
-        <p:spPr>
-          <a:xfrm>
-            <a:off x="6055780" y="97546"/>
-            <a:ext cx="92633" cy="92818"/>
-          </a:xfrm>
-          <a:prstGeom prst="ellipse">
-            <a:avLst/>
-          </a:prstGeom>
-          <a:solidFill>
-            <a:schemeClr val="accent6">
-              <a:lumMod val="60000"/>
-              <a:lumOff val="40000"/>
-            </a:schemeClr>
-          </a:solidFill>
-          <a:ln>
-            <a:noFill/>
-          </a:ln>
-        </p:spPr>
-        <p:style>
-          <a:lnRef idx="2">
-            <a:schemeClr val="accent1">
-              <a:shade val="15000"/>
-            </a:schemeClr>
-          </a:lnRef>
-          <a:fillRef idx="1">
-            <a:schemeClr val="accent1"/>
-          </a:fillRef>
-          <a:effectRef idx="0">
-            <a:schemeClr val="accent1"/>
-          </a:effectRef>
-          <a:fontRef idx="minor">
-            <a:schemeClr val="lt1"/>
-          </a:fontRef>
-        </p:style>
-        <p:txBody>
-          <a:bodyPr rtlCol="0" anchor="ctr"/>
-          <a:lstStyle/>
-          <a:p>
-            <a:pPr algn="ctr"/>
-            <a:endParaRPr lang="en-US"/>
-          </a:p>
-        </p:txBody>
-      </p:sp>
-      <p:sp>
-        <p:nvSpPr>
-          <p:cNvPr id="15" name="Oval 14">
-            <a:extLst>
-              <a:ext uri="{FF2B5EF4-FFF2-40B4-BE49-F238E27FC236}">
-                <a16:creationId xmlns:a16="http://schemas.microsoft.com/office/drawing/2014/main" id="{28C94B99-47ED-95FB-4590-17D89D76939C}"/>
-              </a:ext>
-            </a:extLst>
-          </p:cNvPr>
-          <p:cNvSpPr/>
-          <p:nvPr/>
-        </p:nvSpPr>
-        <p:spPr>
-          <a:xfrm>
-            <a:off x="6235959" y="96394"/>
-            <a:ext cx="92633" cy="92818"/>
-          </a:xfrm>
-          <a:prstGeom prst="ellipse">
-            <a:avLst/>
-          </a:prstGeom>
-          <a:solidFill>
-            <a:schemeClr val="accent6">
-              <a:lumMod val="60000"/>
-              <a:lumOff val="40000"/>
-            </a:schemeClr>
-          </a:solidFill>
-          <a:ln>
-            <a:noFill/>
-          </a:ln>
-        </p:spPr>
-        <p:style>
-          <a:lnRef idx="2">
-            <a:schemeClr val="accent1">
-              <a:shade val="15000"/>
-            </a:schemeClr>
-          </a:lnRef>
-          <a:fillRef idx="1">
-            <a:schemeClr val="accent1"/>
-          </a:fillRef>
-          <a:effectRef idx="0">
-            <a:schemeClr val="accent1"/>
-          </a:effectRef>
-          <a:fontRef idx="minor">
-            <a:schemeClr val="lt1"/>
-          </a:fontRef>
-        </p:style>
-        <p:txBody>
-          <a:bodyPr rtlCol="0" anchor="ctr"/>
-          <a:lstStyle/>
-          <a:p>
-            <a:pPr algn="ctr"/>
-            <a:endParaRPr lang="en-US"/>
-          </a:p>
-        </p:txBody>
-      </p:sp>
-      <p:sp>
-        <p:nvSpPr>
-          <p:cNvPr id="16" name="Oval 15">
-            <a:extLst>
-              <a:ext uri="{FF2B5EF4-FFF2-40B4-BE49-F238E27FC236}">
-                <a16:creationId xmlns:a16="http://schemas.microsoft.com/office/drawing/2014/main" id="{07F63557-81FE-79D2-B7DA-DFC3FB807ADD}"/>
-              </a:ext>
-            </a:extLst>
-          </p:cNvPr>
-          <p:cNvSpPr/>
-          <p:nvPr/>
-        </p:nvSpPr>
-        <p:spPr>
-          <a:xfrm>
-            <a:off x="6417528" y="95845"/>
-            <a:ext cx="92633" cy="92818"/>
-          </a:xfrm>
-          <a:prstGeom prst="ellipse">
-            <a:avLst/>
-          </a:prstGeom>
-          <a:solidFill>
-            <a:schemeClr val="accent6">
-              <a:lumMod val="60000"/>
-              <a:lumOff val="40000"/>
-            </a:schemeClr>
-          </a:solidFill>
-          <a:ln>
-            <a:noFill/>
-          </a:ln>
-        </p:spPr>
-        <p:style>
-          <a:lnRef idx="2">
-            <a:schemeClr val="accent1">
-              <a:shade val="15000"/>
-            </a:schemeClr>
-          </a:lnRef>
-          <a:fillRef idx="1">
-            <a:schemeClr val="accent1"/>
-          </a:fillRef>
-          <a:effectRef idx="0">
-            <a:schemeClr val="accent1"/>
-          </a:effectRef>
-          <a:fontRef idx="minor">
-            <a:schemeClr val="lt1"/>
-          </a:fontRef>
-        </p:style>
-        <p:txBody>
-          <a:bodyPr rtlCol="0" anchor="ctr"/>
-          <a:lstStyle/>
-          <a:p>
-            <a:pPr algn="ctr"/>
-            <a:endParaRPr lang="en-US"/>
-          </a:p>
-        </p:txBody>
-      </p:sp>
-      <p:sp>
-        <p:nvSpPr>
-          <p:cNvPr id="17" name="Oval 16">
-            <a:extLst>
-              <a:ext uri="{FF2B5EF4-FFF2-40B4-BE49-F238E27FC236}">
-                <a16:creationId xmlns:a16="http://schemas.microsoft.com/office/drawing/2014/main" id="{B085F61F-BD82-9B5D-92CE-261D429F7901}"/>
-              </a:ext>
-            </a:extLst>
-          </p:cNvPr>
-          <p:cNvSpPr/>
-          <p:nvPr/>
-        </p:nvSpPr>
-        <p:spPr>
-          <a:xfrm>
-            <a:off x="6603955" y="95709"/>
-            <a:ext cx="92633" cy="92818"/>
-          </a:xfrm>
-          <a:prstGeom prst="ellipse">
-            <a:avLst/>
-          </a:prstGeom>
-          <a:solidFill>
-            <a:schemeClr val="accent6">
-              <a:lumMod val="60000"/>
-              <a:lumOff val="40000"/>
-            </a:schemeClr>
-          </a:solidFill>
-          <a:ln>
-            <a:noFill/>
-          </a:ln>
-        </p:spPr>
-        <p:style>
-          <a:lnRef idx="2">
-            <a:schemeClr val="accent1">
-              <a:shade val="15000"/>
-            </a:schemeClr>
-          </a:lnRef>
-          <a:fillRef idx="1">
-            <a:schemeClr val="accent1"/>
-          </a:fillRef>
-          <a:effectRef idx="0">
-            <a:schemeClr val="accent1"/>
-          </a:effectRef>
-          <a:fontRef idx="minor">
-            <a:schemeClr val="lt1"/>
-          </a:fontRef>
-        </p:style>
-        <p:txBody>
-          <a:bodyPr rtlCol="0" anchor="ctr"/>
-          <a:lstStyle/>
-          <a:p>
-            <a:pPr algn="ctr"/>
-            <a:endParaRPr lang="en-US"/>
-          </a:p>
-        </p:txBody>
-      </p:sp>
-      <p:sp>
-        <p:nvSpPr>
-          <p:cNvPr id="18" name="Oval 17">
-            <a:extLst>
-              <a:ext uri="{FF2B5EF4-FFF2-40B4-BE49-F238E27FC236}">
-                <a16:creationId xmlns:a16="http://schemas.microsoft.com/office/drawing/2014/main" id="{0C4E191B-06F5-91C2-C3C2-AA4EAA112487}"/>
-              </a:ext>
-            </a:extLst>
-          </p:cNvPr>
-          <p:cNvSpPr/>
-          <p:nvPr/>
-        </p:nvSpPr>
-        <p:spPr>
-          <a:xfrm>
-            <a:off x="6785087" y="97886"/>
-            <a:ext cx="92633" cy="92818"/>
-          </a:xfrm>
-          <a:prstGeom prst="ellipse">
-            <a:avLst/>
-          </a:prstGeom>
-          <a:solidFill>
-            <a:schemeClr val="accent6">
-              <a:lumMod val="60000"/>
-              <a:lumOff val="40000"/>
-            </a:schemeClr>
-          </a:solidFill>
-          <a:ln>
-            <a:noFill/>
-          </a:ln>
-        </p:spPr>
-        <p:style>
-          <a:lnRef idx="2">
-            <a:schemeClr val="accent1">
-              <a:shade val="15000"/>
-            </a:schemeClr>
-          </a:lnRef>
-          <a:fillRef idx="1">
-            <a:schemeClr val="accent1"/>
-          </a:fillRef>
-          <a:effectRef idx="0">
-            <a:schemeClr val="accent1"/>
-          </a:effectRef>
-          <a:fontRef idx="minor">
-            <a:schemeClr val="lt1"/>
-          </a:fontRef>
-        </p:style>
-        <p:txBody>
-          <a:bodyPr rtlCol="0" anchor="ctr"/>
-          <a:lstStyle/>
-          <a:p>
-            <a:pPr algn="ctr"/>
-            <a:endParaRPr lang="en-US"/>
-          </a:p>
-        </p:txBody>
-      </p:sp>
-      <p:sp>
-        <p:nvSpPr>
-          <p:cNvPr id="19" name="Oval 18">
-            <a:extLst>
-              <a:ext uri="{FF2B5EF4-FFF2-40B4-BE49-F238E27FC236}">
-                <a16:creationId xmlns:a16="http://schemas.microsoft.com/office/drawing/2014/main" id="{1B2A85FF-18B2-C0DB-4EBA-7392FD5CBDFD}"/>
-              </a:ext>
-            </a:extLst>
-          </p:cNvPr>
-          <p:cNvSpPr/>
-          <p:nvPr/>
-        </p:nvSpPr>
-        <p:spPr>
-          <a:xfrm>
-            <a:off x="6967311" y="95709"/>
-            <a:ext cx="92633" cy="92818"/>
-          </a:xfrm>
-          <a:prstGeom prst="ellipse">
-            <a:avLst/>
-          </a:prstGeom>
-          <a:solidFill>
-            <a:schemeClr val="accent6">
-              <a:lumMod val="60000"/>
-              <a:lumOff val="40000"/>
-            </a:schemeClr>
-          </a:solidFill>
-          <a:ln>
-            <a:noFill/>
-          </a:ln>
-        </p:spPr>
-        <p:style>
-          <a:lnRef idx="2">
-            <a:schemeClr val="accent1">
-              <a:shade val="15000"/>
-            </a:schemeClr>
-          </a:lnRef>
-          <a:fillRef idx="1">
-            <a:schemeClr val="accent1"/>
-          </a:fillRef>
-          <a:effectRef idx="0">
-            <a:schemeClr val="accent1"/>
-          </a:effectRef>
-          <a:fontRef idx="minor">
-            <a:schemeClr val="lt1"/>
-          </a:fontRef>
-        </p:style>
-        <p:txBody>
-          <a:bodyPr rtlCol="0" anchor="ctr"/>
-          <a:lstStyle/>
-          <a:p>
-            <a:pPr algn="ctr"/>
-            <a:endParaRPr lang="en-US"/>
-          </a:p>
-        </p:txBody>
-      </p:sp>
-      <p:sp>
-        <p:nvSpPr>
-          <p:cNvPr id="20" name="Oval 19">
-            <a:extLst>
-              <a:ext uri="{FF2B5EF4-FFF2-40B4-BE49-F238E27FC236}">
-                <a16:creationId xmlns:a16="http://schemas.microsoft.com/office/drawing/2014/main" id="{B0AAA9A2-BD4F-CC81-F3A5-18DF5D5616C0}"/>
-              </a:ext>
-            </a:extLst>
-          </p:cNvPr>
-          <p:cNvSpPr/>
-          <p:nvPr/>
-        </p:nvSpPr>
-        <p:spPr>
-          <a:xfrm>
-            <a:off x="7152646" y="95709"/>
-            <a:ext cx="92633" cy="92818"/>
-          </a:xfrm>
-          <a:prstGeom prst="ellipse">
-            <a:avLst/>
-          </a:prstGeom>
-          <a:solidFill>
-            <a:schemeClr val="accent6">
-              <a:lumMod val="60000"/>
-              <a:lumOff val="40000"/>
-            </a:schemeClr>
-          </a:solidFill>
-          <a:ln>
-            <a:noFill/>
-          </a:ln>
-        </p:spPr>
-        <p:style>
-          <a:lnRef idx="2">
-            <a:schemeClr val="accent1">
-              <a:shade val="15000"/>
-            </a:schemeClr>
-          </a:lnRef>
-          <a:fillRef idx="1">
-            <a:schemeClr val="accent1"/>
-          </a:fillRef>
-          <a:effectRef idx="0">
-            <a:schemeClr val="accent1"/>
-          </a:effectRef>
-          <a:fontRef idx="minor">
-            <a:schemeClr val="lt1"/>
-          </a:fontRef>
-        </p:style>
-        <p:txBody>
-          <a:bodyPr rtlCol="0" anchor="ctr"/>
-          <a:lstStyle/>
-          <a:p>
-            <a:pPr algn="ctr"/>
-            <a:endParaRPr lang="en-US"/>
-          </a:p>
-        </p:txBody>
-      </p:sp>
-      <p:sp>
-        <p:nvSpPr>
-          <p:cNvPr id="21" name="Oval 20">
-            <a:extLst>
-              <a:ext uri="{FF2B5EF4-FFF2-40B4-BE49-F238E27FC236}">
-                <a16:creationId xmlns:a16="http://schemas.microsoft.com/office/drawing/2014/main" id="{E62A6EB9-CC33-7B9C-4A17-F3F07187423B}"/>
-              </a:ext>
-            </a:extLst>
-          </p:cNvPr>
-          <p:cNvSpPr/>
-          <p:nvPr/>
-        </p:nvSpPr>
-        <p:spPr>
-          <a:xfrm>
-            <a:off x="7333262" y="95709"/>
-            <a:ext cx="92633" cy="92818"/>
-          </a:xfrm>
-          <a:prstGeom prst="ellipse">
-            <a:avLst/>
-          </a:prstGeom>
-          <a:solidFill>
-            <a:schemeClr val="accent6">
-              <a:lumMod val="60000"/>
-              <a:lumOff val="40000"/>
-            </a:schemeClr>
-          </a:solidFill>
-          <a:ln>
-            <a:noFill/>
-          </a:ln>
-        </p:spPr>
-        <p:style>
-          <a:lnRef idx="2">
-            <a:schemeClr val="accent1">
-              <a:shade val="15000"/>
-            </a:schemeClr>
-          </a:lnRef>
-          <a:fillRef idx="1">
-            <a:schemeClr val="accent1"/>
-          </a:fillRef>
-          <a:effectRef idx="0">
-            <a:schemeClr val="accent1"/>
-          </a:effectRef>
-          <a:fontRef idx="minor">
-            <a:schemeClr val="lt1"/>
-          </a:fontRef>
-        </p:style>
-        <p:txBody>
-          <a:bodyPr rtlCol="0" anchor="ctr"/>
-          <a:lstStyle/>
-          <a:p>
-            <a:pPr algn="ctr"/>
-            <a:endParaRPr lang="en-US"/>
-          </a:p>
-        </p:txBody>
-      </p:sp>
-      <p:pic>
-        <p:nvPicPr>
-          <p:cNvPr id="12290" name="Picture 2">
-            <a:extLst>
-              <a:ext uri="{FF2B5EF4-FFF2-40B4-BE49-F238E27FC236}">
-                <a16:creationId xmlns:a16="http://schemas.microsoft.com/office/drawing/2014/main" id="{FD6AD56C-BFB2-B7BD-F539-D9FB06C99886}"/>
-              </a:ext>
-            </a:extLst>
-          </p:cNvPr>
-          <p:cNvPicPr>
-            <a:picLocks noChangeAspect="1" noChangeArrowheads="1"/>
-          </p:cNvPicPr>
-          <p:nvPr/>
-        </p:nvPicPr>
-        <p:blipFill>
-          <a:blip r:embed="rId2">
-            <a:extLst>
-              <a:ext uri="{28A0092B-C50C-407E-A947-70E740481C1C}">
-                <a14:useLocalDpi xmlns:a14="http://schemas.microsoft.com/office/drawing/2010/main" val="0"/>
-              </a:ext>
-            </a:extLst>
-          </a:blip>
-          <a:srcRect/>
-          <a:stretch>
-            <a:fillRect/>
-          </a:stretch>
-        </p:blipFill>
-        <p:spPr bwMode="auto">
-          <a:xfrm>
-            <a:off x="1841382" y="798830"/>
-            <a:ext cx="8614061" cy="5509895"/>
-          </a:xfrm>
-          <a:prstGeom prst="rect">
-            <a:avLst/>
-          </a:prstGeom>
-          <a:noFill/>
-          <a:extLst>
-            <a:ext uri="{909E8E84-426E-40DD-AFC4-6F175D3DCCD1}">
-              <a14:hiddenFill xmlns:a14="http://schemas.microsoft.com/office/drawing/2010/main">
-                <a:solidFill>
-                  <a:srgbClr val="FFFFFF"/>
-                </a:solidFill>
-              </a14:hiddenFill>
-            </a:ext>
-          </a:extLst>
-        </p:spPr>
-      </p:pic>
-    </p:spTree>
-    <p:extLst>
-      <p:ext uri="{BB962C8B-B14F-4D97-AF65-F5344CB8AC3E}">
-        <p14:creationId xmlns:p14="http://schemas.microsoft.com/office/powerpoint/2010/main" val="989128626"/>
-      </p:ext>
-    </p:extLst>
-  </p:cSld>
-  <p:clrMapOvr>
-    <a:masterClrMapping/>
-  </p:clrMapOvr>
-</p:sld>
-</file>
-
-<file path=ppt/slides/slide9.xml><?xml version="1.0" encoding="utf-8"?>
-<p:sld xmlns:a="http://schemas.openxmlformats.org/drawingml/2006/main" xmlns:r="http://schemas.openxmlformats.org/officeDocument/2006/relationships" xmlns:p="http://schemas.openxmlformats.org/presentationml/2006/main">
-  <p:cSld>
     <p:bg>
       <p:bgPr>
         <a:solidFill>
@@ -35669,7 +33924,7 @@
           <a:p>
             <a:fld id="{DBA1B0FB-D917-4C8C-928F-313BD683BF39}" type="slidenum">
               <a:rPr lang="en-US" smtClean="0"/>
-              <a:t>9</a:t>
+              <a:t>8</a:t>
             </a:fld>
             <a:endParaRPr lang="en-US"/>
           </a:p>
@@ -36214,8 +34469,8 @@
           </a:prstGeom>
           <a:solidFill>
             <a:schemeClr val="accent6">
-              <a:lumMod val="20000"/>
-              <a:lumOff val="80000"/>
+              <a:lumMod val="60000"/>
+              <a:lumOff val="40000"/>
             </a:schemeClr>
           </a:solidFill>
           <a:ln>
@@ -36642,6 +34897,1820 @@
   <p:clrMapOvr>
     <a:masterClrMapping/>
   </p:clrMapOvr>
+</p:sld>
+</file>
+
+<file path=ppt/slides/slide9.xml><?xml version="1.0" encoding="utf-8"?>
+<p:sld xmlns:a="http://schemas.openxmlformats.org/drawingml/2006/main" xmlns:r="http://schemas.openxmlformats.org/officeDocument/2006/relationships" xmlns:p="http://schemas.openxmlformats.org/presentationml/2006/main">
+  <p:cSld>
+    <p:spTree>
+      <p:nvGrpSpPr>
+        <p:cNvPr id="1" name=""/>
+        <p:cNvGrpSpPr/>
+        <p:nvPr/>
+      </p:nvGrpSpPr>
+      <p:grpSpPr>
+        <a:xfrm>
+          <a:off x="0" y="0"/>
+          <a:ext cx="0" cy="0"/>
+          <a:chOff x="0" y="0"/>
+          <a:chExt cx="0" cy="0"/>
+        </a:xfrm>
+      </p:grpSpPr>
+      <p:sp>
+        <p:nvSpPr>
+          <p:cNvPr id="2" name="Title 1">
+            <a:extLst>
+              <a:ext uri="{FF2B5EF4-FFF2-40B4-BE49-F238E27FC236}">
+                <a16:creationId xmlns:a16="http://schemas.microsoft.com/office/drawing/2014/main" id="{3A6BA52F-C876-2056-4A64-4BE4B421530D}"/>
+              </a:ext>
+            </a:extLst>
+          </p:cNvPr>
+          <p:cNvSpPr>
+            <a:spLocks noGrp="1"/>
+          </p:cNvSpPr>
+          <p:nvPr>
+            <p:ph type="title"/>
+          </p:nvPr>
+        </p:nvSpPr>
+        <p:spPr/>
+        <p:txBody>
+          <a:bodyPr/>
+          <a:lstStyle/>
+          <a:p>
+            <a:r>
+              <a:rPr lang="es-MX" dirty="0"/>
+              <a:t>Función heurística</a:t>
+            </a:r>
+            <a:endParaRPr lang="en-US" dirty="0"/>
+          </a:p>
+        </p:txBody>
+      </p:sp>
+      <p:sp>
+        <p:nvSpPr>
+          <p:cNvPr id="3" name="Content Placeholder 2">
+            <a:extLst>
+              <a:ext uri="{FF2B5EF4-FFF2-40B4-BE49-F238E27FC236}">
+                <a16:creationId xmlns:a16="http://schemas.microsoft.com/office/drawing/2014/main" id="{63FC9B6B-CB7D-EE21-5235-92CC091CDCF7}"/>
+              </a:ext>
+            </a:extLst>
+          </p:cNvPr>
+          <p:cNvSpPr>
+            <a:spLocks noGrp="1"/>
+          </p:cNvSpPr>
+          <p:nvPr>
+            <p:ph idx="1"/>
+          </p:nvPr>
+        </p:nvSpPr>
+        <p:spPr>
+          <a:xfrm>
+            <a:off x="549538" y="1516040"/>
+            <a:ext cx="11090274" cy="3979625"/>
+          </a:xfrm>
+        </p:spPr>
+        <p:txBody>
+          <a:bodyPr/>
+          <a:lstStyle/>
+          <a:p>
+            <a:r>
+              <a:rPr lang="es-MX" dirty="0"/>
+              <a:t>La función heurística evalúa el estado del juego basándose en:</a:t>
+            </a:r>
+          </a:p>
+        </p:txBody>
+      </p:sp>
+      <p:sp>
+        <p:nvSpPr>
+          <p:cNvPr id="6" name="Slide Number Placeholder 5">
+            <a:extLst>
+              <a:ext uri="{FF2B5EF4-FFF2-40B4-BE49-F238E27FC236}">
+                <a16:creationId xmlns:a16="http://schemas.microsoft.com/office/drawing/2014/main" id="{30F33364-0DCB-083B-6FF9-3DD021F832C9}"/>
+              </a:ext>
+            </a:extLst>
+          </p:cNvPr>
+          <p:cNvSpPr>
+            <a:spLocks noGrp="1"/>
+          </p:cNvSpPr>
+          <p:nvPr>
+            <p:ph type="sldNum" sz="quarter" idx="12"/>
+          </p:nvPr>
+        </p:nvSpPr>
+        <p:spPr/>
+        <p:txBody>
+          <a:bodyPr/>
+          <a:lstStyle/>
+          <a:p>
+            <a:fld id="{DBA1B0FB-D917-4C8C-928F-313BD683BF39}" type="slidenum">
+              <a:rPr lang="en-US" smtClean="0"/>
+              <a:t>9</a:t>
+            </a:fld>
+            <a:endParaRPr lang="en-US"/>
+          </a:p>
+        </p:txBody>
+      </p:sp>
+      <p:sp>
+        <p:nvSpPr>
+          <p:cNvPr id="7" name="Footer Placeholder 13">
+            <a:extLst>
+              <a:ext uri="{FF2B5EF4-FFF2-40B4-BE49-F238E27FC236}">
+                <a16:creationId xmlns:a16="http://schemas.microsoft.com/office/drawing/2014/main" id="{793D6A01-82C8-9435-AB23-0BA8B31D4D4E}"/>
+              </a:ext>
+            </a:extLst>
+          </p:cNvPr>
+          <p:cNvSpPr>
+            <a:spLocks noGrp="1"/>
+          </p:cNvSpPr>
+          <p:nvPr>
+            <p:ph type="ftr" sz="quarter" idx="11"/>
+          </p:nvPr>
+        </p:nvSpPr>
+        <p:spPr>
+          <a:xfrm>
+            <a:off x="550863" y="6507212"/>
+            <a:ext cx="6379210" cy="153888"/>
+          </a:xfrm>
+        </p:spPr>
+        <p:txBody>
+          <a:bodyPr/>
+          <a:lstStyle/>
+          <a:p>
+            <a:r>
+              <a:rPr lang="es-MX" dirty="0"/>
+              <a:t>ITAM | Inteligencia Artificial | Otoño 2023</a:t>
+            </a:r>
+            <a:endParaRPr lang="en-US" dirty="0"/>
+          </a:p>
+        </p:txBody>
+      </p:sp>
+      <p:pic>
+        <p:nvPicPr>
+          <p:cNvPr id="8" name="Picture 7">
+            <a:extLst>
+              <a:ext uri="{FF2B5EF4-FFF2-40B4-BE49-F238E27FC236}">
+                <a16:creationId xmlns:a16="http://schemas.microsoft.com/office/drawing/2014/main" id="{4271DE60-16AE-F7A3-6572-0020B2CED1DF}"/>
+              </a:ext>
+            </a:extLst>
+          </p:cNvPr>
+          <p:cNvPicPr>
+            <a:picLocks noChangeAspect="1"/>
+          </p:cNvPicPr>
+          <p:nvPr/>
+        </p:nvPicPr>
+        <p:blipFill>
+          <a:blip r:embed="rId2">
+            <a:lum bright="70000" contrast="-70000"/>
+            <a:extLst>
+              <a:ext uri="{BEBA8EAE-BF5A-486C-A8C5-ECC9F3942E4B}">
+                <a14:imgProps xmlns:a14="http://schemas.microsoft.com/office/drawing/2010/main">
+                  <a14:imgLayer r:embed="rId3">
+                    <a14:imgEffect>
+                      <a14:saturation sat="101000"/>
+                    </a14:imgEffect>
+                  </a14:imgLayer>
+                </a14:imgProps>
+              </a:ext>
+            </a:extLst>
+          </a:blip>
+          <a:stretch>
+            <a:fillRect/>
+          </a:stretch>
+        </p:blipFill>
+        <p:spPr>
+          <a:xfrm>
+            <a:off x="2773658" y="2735005"/>
+            <a:ext cx="847530" cy="847530"/>
+          </a:xfrm>
+          <a:prstGeom prst="rect">
+            <a:avLst/>
+          </a:prstGeom>
+          <a:noFill/>
+        </p:spPr>
+      </p:pic>
+      <p:pic>
+        <p:nvPicPr>
+          <p:cNvPr id="10" name="Picture 9">
+            <a:extLst>
+              <a:ext uri="{FF2B5EF4-FFF2-40B4-BE49-F238E27FC236}">
+                <a16:creationId xmlns:a16="http://schemas.microsoft.com/office/drawing/2014/main" id="{C53120A5-116A-6A82-6174-BC03873BEB62}"/>
+              </a:ext>
+            </a:extLst>
+          </p:cNvPr>
+          <p:cNvPicPr>
+            <a:picLocks noChangeAspect="1"/>
+          </p:cNvPicPr>
+          <p:nvPr/>
+        </p:nvPicPr>
+        <p:blipFill>
+          <a:blip r:embed="rId4">
+            <a:lum bright="70000" contrast="-70000"/>
+          </a:blip>
+          <a:stretch>
+            <a:fillRect/>
+          </a:stretch>
+        </p:blipFill>
+        <p:spPr>
+          <a:xfrm>
+            <a:off x="7601064" y="4445223"/>
+            <a:ext cx="847530" cy="847530"/>
+          </a:xfrm>
+          <a:prstGeom prst="rect">
+            <a:avLst/>
+          </a:prstGeom>
+        </p:spPr>
+      </p:pic>
+      <p:pic>
+        <p:nvPicPr>
+          <p:cNvPr id="12" name="Picture 11">
+            <a:extLst>
+              <a:ext uri="{FF2B5EF4-FFF2-40B4-BE49-F238E27FC236}">
+                <a16:creationId xmlns:a16="http://schemas.microsoft.com/office/drawing/2014/main" id="{CEFB8CAF-3C20-B354-134F-EFA8B60EC67D}"/>
+              </a:ext>
+            </a:extLst>
+          </p:cNvPr>
+          <p:cNvPicPr>
+            <a:picLocks noChangeAspect="1"/>
+          </p:cNvPicPr>
+          <p:nvPr/>
+        </p:nvPicPr>
+        <p:blipFill>
+          <a:blip r:embed="rId5">
+            <a:lum bright="70000" contrast="-70000"/>
+          </a:blip>
+          <a:stretch>
+            <a:fillRect/>
+          </a:stretch>
+        </p:blipFill>
+        <p:spPr>
+          <a:xfrm>
+            <a:off x="3316703" y="4440547"/>
+            <a:ext cx="847530" cy="847530"/>
+          </a:xfrm>
+          <a:prstGeom prst="rect">
+            <a:avLst/>
+          </a:prstGeom>
+        </p:spPr>
+      </p:pic>
+      <p:pic>
+        <p:nvPicPr>
+          <p:cNvPr id="14" name="Picture 13">
+            <a:extLst>
+              <a:ext uri="{FF2B5EF4-FFF2-40B4-BE49-F238E27FC236}">
+                <a16:creationId xmlns:a16="http://schemas.microsoft.com/office/drawing/2014/main" id="{F0C86852-720F-64EE-7478-8EF8D2F4AEB2}"/>
+              </a:ext>
+            </a:extLst>
+          </p:cNvPr>
+          <p:cNvPicPr>
+            <a:picLocks noChangeAspect="1"/>
+          </p:cNvPicPr>
+          <p:nvPr/>
+        </p:nvPicPr>
+        <p:blipFill>
+          <a:blip r:embed="rId6">
+            <a:lum bright="70000" contrast="-70000"/>
+          </a:blip>
+          <a:stretch>
+            <a:fillRect/>
+          </a:stretch>
+        </p:blipFill>
+        <p:spPr>
+          <a:xfrm>
+            <a:off x="8182459" y="2735005"/>
+            <a:ext cx="847530" cy="847530"/>
+          </a:xfrm>
+          <a:prstGeom prst="rect">
+            <a:avLst/>
+          </a:prstGeom>
+        </p:spPr>
+      </p:pic>
+      <p:sp>
+        <p:nvSpPr>
+          <p:cNvPr id="17" name="TextBox 16">
+            <a:extLst>
+              <a:ext uri="{FF2B5EF4-FFF2-40B4-BE49-F238E27FC236}">
+                <a16:creationId xmlns:a16="http://schemas.microsoft.com/office/drawing/2014/main" id="{F17F6EFE-E3A1-C7E4-E261-EADAAD838E5D}"/>
+              </a:ext>
+            </a:extLst>
+          </p:cNvPr>
+          <p:cNvSpPr txBox="1"/>
+          <p:nvPr/>
+        </p:nvSpPr>
+        <p:spPr>
+          <a:xfrm>
+            <a:off x="878437" y="2835637"/>
+            <a:ext cx="1548882" cy="523220"/>
+          </a:xfrm>
+          <a:prstGeom prst="rect">
+            <a:avLst/>
+          </a:prstGeom>
+          <a:noFill/>
+        </p:spPr>
+        <p:txBody>
+          <a:bodyPr wrap="square" rtlCol="0">
+            <a:spAutoFit/>
+          </a:bodyPr>
+          <a:lstStyle/>
+          <a:p>
+            <a:pPr algn="ctr"/>
+            <a:r>
+              <a:rPr lang="es-MX" sz="2800" dirty="0"/>
+              <a:t>Victorias</a:t>
+            </a:r>
+            <a:endParaRPr lang="en-US" sz="2800" dirty="0"/>
+          </a:p>
+        </p:txBody>
+      </p:sp>
+      <p:sp>
+        <p:nvSpPr>
+          <p:cNvPr id="18" name="TextBox 17">
+            <a:extLst>
+              <a:ext uri="{FF2B5EF4-FFF2-40B4-BE49-F238E27FC236}">
+                <a16:creationId xmlns:a16="http://schemas.microsoft.com/office/drawing/2014/main" id="{A6AFE0DC-7318-7A18-6CFB-242F29BEA731}"/>
+              </a:ext>
+            </a:extLst>
+          </p:cNvPr>
+          <p:cNvSpPr txBox="1"/>
+          <p:nvPr/>
+        </p:nvSpPr>
+        <p:spPr>
+          <a:xfrm>
+            <a:off x="9083472" y="2835637"/>
+            <a:ext cx="2279003" cy="523220"/>
+          </a:xfrm>
+          <a:prstGeom prst="rect">
+            <a:avLst/>
+          </a:prstGeom>
+          <a:noFill/>
+        </p:spPr>
+        <p:txBody>
+          <a:bodyPr wrap="square" rtlCol="0">
+            <a:spAutoFit/>
+          </a:bodyPr>
+          <a:lstStyle/>
+          <a:p>
+            <a:pPr algn="ctr"/>
+            <a:r>
+              <a:rPr lang="es-MX" sz="2800" dirty="0"/>
+              <a:t>Probabilidad</a:t>
+            </a:r>
+            <a:endParaRPr lang="en-US" sz="2800" dirty="0"/>
+          </a:p>
+        </p:txBody>
+      </p:sp>
+      <p:sp>
+        <p:nvSpPr>
+          <p:cNvPr id="19" name="TextBox 18">
+            <a:extLst>
+              <a:ext uri="{FF2B5EF4-FFF2-40B4-BE49-F238E27FC236}">
+                <a16:creationId xmlns:a16="http://schemas.microsoft.com/office/drawing/2014/main" id="{148C7301-7752-5BEF-FD8E-B483765C90CC}"/>
+              </a:ext>
+            </a:extLst>
+          </p:cNvPr>
+          <p:cNvSpPr txBox="1"/>
+          <p:nvPr/>
+        </p:nvSpPr>
+        <p:spPr>
+          <a:xfrm>
+            <a:off x="8805637" y="4602702"/>
+            <a:ext cx="2834173" cy="523220"/>
+          </a:xfrm>
+          <a:prstGeom prst="rect">
+            <a:avLst/>
+          </a:prstGeom>
+          <a:noFill/>
+        </p:spPr>
+        <p:txBody>
+          <a:bodyPr wrap="square" rtlCol="0">
+            <a:spAutoFit/>
+          </a:bodyPr>
+          <a:lstStyle/>
+          <a:p>
+            <a:pPr algn="ctr"/>
+            <a:r>
+              <a:rPr lang="es-MX" sz="2800" dirty="0"/>
+              <a:t>Número de fichas</a:t>
+            </a:r>
+            <a:endParaRPr lang="en-US" sz="2800" dirty="0"/>
+          </a:p>
+        </p:txBody>
+      </p:sp>
+      <p:sp>
+        <p:nvSpPr>
+          <p:cNvPr id="20" name="TextBox 19">
+            <a:extLst>
+              <a:ext uri="{FF2B5EF4-FFF2-40B4-BE49-F238E27FC236}">
+                <a16:creationId xmlns:a16="http://schemas.microsoft.com/office/drawing/2014/main" id="{DE090B91-D5A1-B8BA-91D8-A532033296C8}"/>
+              </a:ext>
+            </a:extLst>
+          </p:cNvPr>
+          <p:cNvSpPr txBox="1"/>
+          <p:nvPr/>
+        </p:nvSpPr>
+        <p:spPr>
+          <a:xfrm>
+            <a:off x="879943" y="4602702"/>
+            <a:ext cx="2258237" cy="523220"/>
+          </a:xfrm>
+          <a:prstGeom prst="rect">
+            <a:avLst/>
+          </a:prstGeom>
+          <a:noFill/>
+        </p:spPr>
+        <p:txBody>
+          <a:bodyPr wrap="square" rtlCol="0">
+            <a:spAutoFit/>
+          </a:bodyPr>
+          <a:lstStyle/>
+          <a:p>
+            <a:pPr algn="ctr"/>
+            <a:r>
+              <a:rPr lang="es-MX" sz="2800" dirty="0"/>
+              <a:t>Aleatoriedad</a:t>
+            </a:r>
+            <a:endParaRPr lang="en-US" sz="2800" dirty="0"/>
+          </a:p>
+        </p:txBody>
+      </p:sp>
+      <p:pic>
+        <p:nvPicPr>
+          <p:cNvPr id="34" name="Picture 33">
+            <a:extLst>
+              <a:ext uri="{FF2B5EF4-FFF2-40B4-BE49-F238E27FC236}">
+                <a16:creationId xmlns:a16="http://schemas.microsoft.com/office/drawing/2014/main" id="{A7A43046-E5C4-1DBB-E160-2F929D5934B4}"/>
+              </a:ext>
+            </a:extLst>
+          </p:cNvPr>
+          <p:cNvPicPr>
+            <a:picLocks noChangeAspect="1"/>
+          </p:cNvPicPr>
+          <p:nvPr/>
+        </p:nvPicPr>
+        <p:blipFill>
+          <a:blip r:embed="rId7"/>
+          <a:stretch>
+            <a:fillRect/>
+          </a:stretch>
+        </p:blipFill>
+        <p:spPr>
+          <a:xfrm rot="20902304">
+            <a:off x="4592632" y="2632473"/>
+            <a:ext cx="2760490" cy="2760490"/>
+          </a:xfrm>
+          <a:prstGeom prst="rect">
+            <a:avLst/>
+          </a:prstGeom>
+        </p:spPr>
+      </p:pic>
+      <p:sp>
+        <p:nvSpPr>
+          <p:cNvPr id="48" name="Oval 47">
+            <a:extLst>
+              <a:ext uri="{FF2B5EF4-FFF2-40B4-BE49-F238E27FC236}">
+                <a16:creationId xmlns:a16="http://schemas.microsoft.com/office/drawing/2014/main" id="{3F747988-E926-F216-3246-83FA56FB81CE}"/>
+              </a:ext>
+            </a:extLst>
+          </p:cNvPr>
+          <p:cNvSpPr/>
+          <p:nvPr/>
+        </p:nvSpPr>
+        <p:spPr>
+          <a:xfrm>
+            <a:off x="4790625" y="97546"/>
+            <a:ext cx="92633" cy="92818"/>
+          </a:xfrm>
+          <a:prstGeom prst="ellipse">
+            <a:avLst/>
+          </a:prstGeom>
+          <a:solidFill>
+            <a:schemeClr val="bg2">
+              <a:lumMod val="10000"/>
+              <a:lumOff val="90000"/>
+            </a:schemeClr>
+          </a:solidFill>
+          <a:ln>
+            <a:noFill/>
+          </a:ln>
+        </p:spPr>
+        <p:style>
+          <a:lnRef idx="2">
+            <a:schemeClr val="accent1">
+              <a:shade val="15000"/>
+            </a:schemeClr>
+          </a:lnRef>
+          <a:fillRef idx="1">
+            <a:schemeClr val="accent1"/>
+          </a:fillRef>
+          <a:effectRef idx="0">
+            <a:schemeClr val="accent1"/>
+          </a:effectRef>
+          <a:fontRef idx="minor">
+            <a:schemeClr val="lt1"/>
+          </a:fontRef>
+        </p:style>
+        <p:txBody>
+          <a:bodyPr rtlCol="0" anchor="ctr"/>
+          <a:lstStyle/>
+          <a:p>
+            <a:pPr algn="ctr"/>
+            <a:endParaRPr lang="en-US"/>
+          </a:p>
+        </p:txBody>
+      </p:sp>
+      <p:sp>
+        <p:nvSpPr>
+          <p:cNvPr id="49" name="Oval 48">
+            <a:extLst>
+              <a:ext uri="{FF2B5EF4-FFF2-40B4-BE49-F238E27FC236}">
+                <a16:creationId xmlns:a16="http://schemas.microsoft.com/office/drawing/2014/main" id="{D11BB128-CBE5-10AD-C5DF-D9CE7ACA1757}"/>
+              </a:ext>
+            </a:extLst>
+          </p:cNvPr>
+          <p:cNvSpPr/>
+          <p:nvPr/>
+        </p:nvSpPr>
+        <p:spPr>
+          <a:xfrm>
+            <a:off x="4971193" y="97546"/>
+            <a:ext cx="92633" cy="92818"/>
+          </a:xfrm>
+          <a:prstGeom prst="ellipse">
+            <a:avLst/>
+          </a:prstGeom>
+          <a:solidFill>
+            <a:schemeClr val="accent6">
+              <a:lumMod val="20000"/>
+              <a:lumOff val="80000"/>
+            </a:schemeClr>
+          </a:solidFill>
+          <a:ln>
+            <a:noFill/>
+          </a:ln>
+        </p:spPr>
+        <p:style>
+          <a:lnRef idx="2">
+            <a:schemeClr val="accent1">
+              <a:shade val="15000"/>
+            </a:schemeClr>
+          </a:lnRef>
+          <a:fillRef idx="1">
+            <a:schemeClr val="accent1"/>
+          </a:fillRef>
+          <a:effectRef idx="0">
+            <a:schemeClr val="accent1"/>
+          </a:effectRef>
+          <a:fontRef idx="minor">
+            <a:schemeClr val="lt1"/>
+          </a:fontRef>
+        </p:style>
+        <p:txBody>
+          <a:bodyPr rtlCol="0" anchor="ctr"/>
+          <a:lstStyle/>
+          <a:p>
+            <a:pPr algn="ctr"/>
+            <a:endParaRPr lang="en-US"/>
+          </a:p>
+        </p:txBody>
+      </p:sp>
+      <p:sp>
+        <p:nvSpPr>
+          <p:cNvPr id="50" name="Oval 49">
+            <a:extLst>
+              <a:ext uri="{FF2B5EF4-FFF2-40B4-BE49-F238E27FC236}">
+                <a16:creationId xmlns:a16="http://schemas.microsoft.com/office/drawing/2014/main" id="{E1CB69A2-697B-EC98-B49C-7A3C4D4C7E58}"/>
+              </a:ext>
+            </a:extLst>
+          </p:cNvPr>
+          <p:cNvSpPr/>
+          <p:nvPr/>
+        </p:nvSpPr>
+        <p:spPr>
+          <a:xfrm>
+            <a:off x="5151761" y="97546"/>
+            <a:ext cx="92633" cy="92818"/>
+          </a:xfrm>
+          <a:prstGeom prst="ellipse">
+            <a:avLst/>
+          </a:prstGeom>
+          <a:solidFill>
+            <a:schemeClr val="accent6">
+              <a:lumMod val="20000"/>
+              <a:lumOff val="80000"/>
+            </a:schemeClr>
+          </a:solidFill>
+          <a:ln>
+            <a:noFill/>
+          </a:ln>
+        </p:spPr>
+        <p:style>
+          <a:lnRef idx="2">
+            <a:schemeClr val="accent1">
+              <a:shade val="15000"/>
+            </a:schemeClr>
+          </a:lnRef>
+          <a:fillRef idx="1">
+            <a:schemeClr val="accent1"/>
+          </a:fillRef>
+          <a:effectRef idx="0">
+            <a:schemeClr val="accent1"/>
+          </a:effectRef>
+          <a:fontRef idx="minor">
+            <a:schemeClr val="lt1"/>
+          </a:fontRef>
+        </p:style>
+        <p:txBody>
+          <a:bodyPr rtlCol="0" anchor="ctr"/>
+          <a:lstStyle/>
+          <a:p>
+            <a:pPr algn="ctr"/>
+            <a:endParaRPr lang="en-US"/>
+          </a:p>
+        </p:txBody>
+      </p:sp>
+      <p:sp>
+        <p:nvSpPr>
+          <p:cNvPr id="51" name="Oval 50">
+            <a:extLst>
+              <a:ext uri="{FF2B5EF4-FFF2-40B4-BE49-F238E27FC236}">
+                <a16:creationId xmlns:a16="http://schemas.microsoft.com/office/drawing/2014/main" id="{82BC4DAB-5B30-0459-F9C5-576481679FE2}"/>
+              </a:ext>
+            </a:extLst>
+          </p:cNvPr>
+          <p:cNvSpPr/>
+          <p:nvPr/>
+        </p:nvSpPr>
+        <p:spPr>
+          <a:xfrm>
+            <a:off x="5332329" y="97546"/>
+            <a:ext cx="92633" cy="90981"/>
+          </a:xfrm>
+          <a:prstGeom prst="ellipse">
+            <a:avLst/>
+          </a:prstGeom>
+          <a:solidFill>
+            <a:schemeClr val="accent6">
+              <a:lumMod val="20000"/>
+              <a:lumOff val="80000"/>
+            </a:schemeClr>
+          </a:solidFill>
+          <a:ln>
+            <a:noFill/>
+          </a:ln>
+        </p:spPr>
+        <p:style>
+          <a:lnRef idx="2">
+            <a:schemeClr val="accent1">
+              <a:shade val="15000"/>
+            </a:schemeClr>
+          </a:lnRef>
+          <a:fillRef idx="1">
+            <a:schemeClr val="accent1"/>
+          </a:fillRef>
+          <a:effectRef idx="0">
+            <a:schemeClr val="accent1"/>
+          </a:effectRef>
+          <a:fontRef idx="minor">
+            <a:schemeClr val="lt1"/>
+          </a:fontRef>
+        </p:style>
+        <p:txBody>
+          <a:bodyPr rtlCol="0" anchor="ctr"/>
+          <a:lstStyle/>
+          <a:p>
+            <a:pPr algn="ctr"/>
+            <a:endParaRPr lang="en-US"/>
+          </a:p>
+        </p:txBody>
+      </p:sp>
+      <p:sp>
+        <p:nvSpPr>
+          <p:cNvPr id="52" name="Oval 51">
+            <a:extLst>
+              <a:ext uri="{FF2B5EF4-FFF2-40B4-BE49-F238E27FC236}">
+                <a16:creationId xmlns:a16="http://schemas.microsoft.com/office/drawing/2014/main" id="{A204E81C-77E6-B0D0-5691-145E612B5D82}"/>
+              </a:ext>
+            </a:extLst>
+          </p:cNvPr>
+          <p:cNvSpPr/>
+          <p:nvPr/>
+        </p:nvSpPr>
+        <p:spPr>
+          <a:xfrm>
+            <a:off x="5512897" y="97546"/>
+            <a:ext cx="92633" cy="92818"/>
+          </a:xfrm>
+          <a:prstGeom prst="ellipse">
+            <a:avLst/>
+          </a:prstGeom>
+          <a:solidFill>
+            <a:schemeClr val="accent6">
+              <a:lumMod val="20000"/>
+              <a:lumOff val="80000"/>
+            </a:schemeClr>
+          </a:solidFill>
+          <a:ln>
+            <a:noFill/>
+          </a:ln>
+        </p:spPr>
+        <p:style>
+          <a:lnRef idx="2">
+            <a:schemeClr val="accent1">
+              <a:shade val="15000"/>
+            </a:schemeClr>
+          </a:lnRef>
+          <a:fillRef idx="1">
+            <a:schemeClr val="accent1"/>
+          </a:fillRef>
+          <a:effectRef idx="0">
+            <a:schemeClr val="accent1"/>
+          </a:effectRef>
+          <a:fontRef idx="minor">
+            <a:schemeClr val="lt1"/>
+          </a:fontRef>
+        </p:style>
+        <p:txBody>
+          <a:bodyPr rtlCol="0" anchor="ctr"/>
+          <a:lstStyle/>
+          <a:p>
+            <a:pPr algn="ctr"/>
+            <a:endParaRPr lang="en-US"/>
+          </a:p>
+        </p:txBody>
+      </p:sp>
+      <p:sp>
+        <p:nvSpPr>
+          <p:cNvPr id="53" name="Oval 52">
+            <a:extLst>
+              <a:ext uri="{FF2B5EF4-FFF2-40B4-BE49-F238E27FC236}">
+                <a16:creationId xmlns:a16="http://schemas.microsoft.com/office/drawing/2014/main" id="{8F797486-FB5F-E93D-BFC2-E04031F122CA}"/>
+              </a:ext>
+            </a:extLst>
+          </p:cNvPr>
+          <p:cNvSpPr/>
+          <p:nvPr/>
+        </p:nvSpPr>
+        <p:spPr>
+          <a:xfrm>
+            <a:off x="5694644" y="97546"/>
+            <a:ext cx="92633" cy="92818"/>
+          </a:xfrm>
+          <a:prstGeom prst="ellipse">
+            <a:avLst/>
+          </a:prstGeom>
+          <a:solidFill>
+            <a:schemeClr val="accent6">
+              <a:lumMod val="20000"/>
+              <a:lumOff val="80000"/>
+            </a:schemeClr>
+          </a:solidFill>
+          <a:ln>
+            <a:noFill/>
+          </a:ln>
+        </p:spPr>
+        <p:style>
+          <a:lnRef idx="2">
+            <a:schemeClr val="accent1">
+              <a:shade val="15000"/>
+            </a:schemeClr>
+          </a:lnRef>
+          <a:fillRef idx="1">
+            <a:schemeClr val="accent1"/>
+          </a:fillRef>
+          <a:effectRef idx="0">
+            <a:schemeClr val="accent1"/>
+          </a:effectRef>
+          <a:fontRef idx="minor">
+            <a:schemeClr val="lt1"/>
+          </a:fontRef>
+        </p:style>
+        <p:txBody>
+          <a:bodyPr rtlCol="0" anchor="ctr"/>
+          <a:lstStyle/>
+          <a:p>
+            <a:pPr algn="ctr"/>
+            <a:endParaRPr lang="en-US"/>
+          </a:p>
+        </p:txBody>
+      </p:sp>
+      <p:sp>
+        <p:nvSpPr>
+          <p:cNvPr id="54" name="Oval 53">
+            <a:extLst>
+              <a:ext uri="{FF2B5EF4-FFF2-40B4-BE49-F238E27FC236}">
+                <a16:creationId xmlns:a16="http://schemas.microsoft.com/office/drawing/2014/main" id="{FAF9F53E-11CE-B1ED-E808-1340C56918E6}"/>
+              </a:ext>
+            </a:extLst>
+          </p:cNvPr>
+          <p:cNvSpPr/>
+          <p:nvPr/>
+        </p:nvSpPr>
+        <p:spPr>
+          <a:xfrm>
+            <a:off x="5875212" y="97546"/>
+            <a:ext cx="92633" cy="92818"/>
+          </a:xfrm>
+          <a:prstGeom prst="ellipse">
+            <a:avLst/>
+          </a:prstGeom>
+          <a:solidFill>
+            <a:schemeClr val="accent6">
+              <a:lumMod val="20000"/>
+              <a:lumOff val="80000"/>
+            </a:schemeClr>
+          </a:solidFill>
+          <a:ln>
+            <a:noFill/>
+          </a:ln>
+        </p:spPr>
+        <p:style>
+          <a:lnRef idx="2">
+            <a:schemeClr val="accent1">
+              <a:shade val="15000"/>
+            </a:schemeClr>
+          </a:lnRef>
+          <a:fillRef idx="1">
+            <a:schemeClr val="accent1"/>
+          </a:fillRef>
+          <a:effectRef idx="0">
+            <a:schemeClr val="accent1"/>
+          </a:effectRef>
+          <a:fontRef idx="minor">
+            <a:schemeClr val="lt1"/>
+          </a:fontRef>
+        </p:style>
+        <p:txBody>
+          <a:bodyPr rtlCol="0" anchor="ctr"/>
+          <a:lstStyle/>
+          <a:p>
+            <a:pPr algn="ctr"/>
+            <a:endParaRPr lang="en-US"/>
+          </a:p>
+        </p:txBody>
+      </p:sp>
+      <p:sp>
+        <p:nvSpPr>
+          <p:cNvPr id="55" name="Oval 54">
+            <a:extLst>
+              <a:ext uri="{FF2B5EF4-FFF2-40B4-BE49-F238E27FC236}">
+                <a16:creationId xmlns:a16="http://schemas.microsoft.com/office/drawing/2014/main" id="{8E3BB149-55B6-711A-F80F-D6946AD7261F}"/>
+              </a:ext>
+            </a:extLst>
+          </p:cNvPr>
+          <p:cNvSpPr/>
+          <p:nvPr/>
+        </p:nvSpPr>
+        <p:spPr>
+          <a:xfrm>
+            <a:off x="6055780" y="97546"/>
+            <a:ext cx="92633" cy="92818"/>
+          </a:xfrm>
+          <a:prstGeom prst="ellipse">
+            <a:avLst/>
+          </a:prstGeom>
+          <a:solidFill>
+            <a:schemeClr val="accent6">
+              <a:lumMod val="20000"/>
+              <a:lumOff val="80000"/>
+            </a:schemeClr>
+          </a:solidFill>
+          <a:ln>
+            <a:noFill/>
+          </a:ln>
+        </p:spPr>
+        <p:style>
+          <a:lnRef idx="2">
+            <a:schemeClr val="accent1">
+              <a:shade val="15000"/>
+            </a:schemeClr>
+          </a:lnRef>
+          <a:fillRef idx="1">
+            <a:schemeClr val="accent1"/>
+          </a:fillRef>
+          <a:effectRef idx="0">
+            <a:schemeClr val="accent1"/>
+          </a:effectRef>
+          <a:fontRef idx="minor">
+            <a:schemeClr val="lt1"/>
+          </a:fontRef>
+        </p:style>
+        <p:txBody>
+          <a:bodyPr rtlCol="0" anchor="ctr"/>
+          <a:lstStyle/>
+          <a:p>
+            <a:pPr algn="ctr"/>
+            <a:endParaRPr lang="en-US"/>
+          </a:p>
+        </p:txBody>
+      </p:sp>
+      <p:sp>
+        <p:nvSpPr>
+          <p:cNvPr id="56" name="Oval 55">
+            <a:extLst>
+              <a:ext uri="{FF2B5EF4-FFF2-40B4-BE49-F238E27FC236}">
+                <a16:creationId xmlns:a16="http://schemas.microsoft.com/office/drawing/2014/main" id="{F84DB5C9-DB41-15BB-2A07-EAF031A447C4}"/>
+              </a:ext>
+            </a:extLst>
+          </p:cNvPr>
+          <p:cNvSpPr/>
+          <p:nvPr/>
+        </p:nvSpPr>
+        <p:spPr>
+          <a:xfrm>
+            <a:off x="6235959" y="96394"/>
+            <a:ext cx="92633" cy="92818"/>
+          </a:xfrm>
+          <a:prstGeom prst="ellipse">
+            <a:avLst/>
+          </a:prstGeom>
+          <a:solidFill>
+            <a:schemeClr val="accent6">
+              <a:lumMod val="60000"/>
+              <a:lumOff val="40000"/>
+            </a:schemeClr>
+          </a:solidFill>
+          <a:ln>
+            <a:noFill/>
+          </a:ln>
+        </p:spPr>
+        <p:style>
+          <a:lnRef idx="2">
+            <a:schemeClr val="accent1">
+              <a:shade val="15000"/>
+            </a:schemeClr>
+          </a:lnRef>
+          <a:fillRef idx="1">
+            <a:schemeClr val="accent1"/>
+          </a:fillRef>
+          <a:effectRef idx="0">
+            <a:schemeClr val="accent1"/>
+          </a:effectRef>
+          <a:fontRef idx="minor">
+            <a:schemeClr val="lt1"/>
+          </a:fontRef>
+        </p:style>
+        <p:txBody>
+          <a:bodyPr rtlCol="0" anchor="ctr"/>
+          <a:lstStyle/>
+          <a:p>
+            <a:pPr algn="ctr"/>
+            <a:endParaRPr lang="en-US"/>
+          </a:p>
+        </p:txBody>
+      </p:sp>
+      <p:sp>
+        <p:nvSpPr>
+          <p:cNvPr id="57" name="Oval 56">
+            <a:extLst>
+              <a:ext uri="{FF2B5EF4-FFF2-40B4-BE49-F238E27FC236}">
+                <a16:creationId xmlns:a16="http://schemas.microsoft.com/office/drawing/2014/main" id="{46A54838-9996-0AC4-282A-CC4EAC29BFF9}"/>
+              </a:ext>
+            </a:extLst>
+          </p:cNvPr>
+          <p:cNvSpPr/>
+          <p:nvPr/>
+        </p:nvSpPr>
+        <p:spPr>
+          <a:xfrm>
+            <a:off x="6417528" y="95845"/>
+            <a:ext cx="92633" cy="92818"/>
+          </a:xfrm>
+          <a:prstGeom prst="ellipse">
+            <a:avLst/>
+          </a:prstGeom>
+          <a:solidFill>
+            <a:schemeClr val="accent6">
+              <a:lumMod val="60000"/>
+              <a:lumOff val="40000"/>
+            </a:schemeClr>
+          </a:solidFill>
+          <a:ln>
+            <a:noFill/>
+          </a:ln>
+        </p:spPr>
+        <p:style>
+          <a:lnRef idx="2">
+            <a:schemeClr val="accent1">
+              <a:shade val="15000"/>
+            </a:schemeClr>
+          </a:lnRef>
+          <a:fillRef idx="1">
+            <a:schemeClr val="accent1"/>
+          </a:fillRef>
+          <a:effectRef idx="0">
+            <a:schemeClr val="accent1"/>
+          </a:effectRef>
+          <a:fontRef idx="minor">
+            <a:schemeClr val="lt1"/>
+          </a:fontRef>
+        </p:style>
+        <p:txBody>
+          <a:bodyPr rtlCol="0" anchor="ctr"/>
+          <a:lstStyle/>
+          <a:p>
+            <a:pPr algn="ctr"/>
+            <a:endParaRPr lang="en-US"/>
+          </a:p>
+        </p:txBody>
+      </p:sp>
+      <p:sp>
+        <p:nvSpPr>
+          <p:cNvPr id="58" name="Oval 57">
+            <a:extLst>
+              <a:ext uri="{FF2B5EF4-FFF2-40B4-BE49-F238E27FC236}">
+                <a16:creationId xmlns:a16="http://schemas.microsoft.com/office/drawing/2014/main" id="{541A3BEC-1F37-A11D-9725-A9E7389D69C5}"/>
+              </a:ext>
+            </a:extLst>
+          </p:cNvPr>
+          <p:cNvSpPr/>
+          <p:nvPr/>
+        </p:nvSpPr>
+        <p:spPr>
+          <a:xfrm>
+            <a:off x="6603955" y="95709"/>
+            <a:ext cx="92633" cy="92818"/>
+          </a:xfrm>
+          <a:prstGeom prst="ellipse">
+            <a:avLst/>
+          </a:prstGeom>
+          <a:solidFill>
+            <a:schemeClr val="accent6">
+              <a:lumMod val="60000"/>
+              <a:lumOff val="40000"/>
+            </a:schemeClr>
+          </a:solidFill>
+          <a:ln>
+            <a:noFill/>
+          </a:ln>
+        </p:spPr>
+        <p:style>
+          <a:lnRef idx="2">
+            <a:schemeClr val="accent1">
+              <a:shade val="15000"/>
+            </a:schemeClr>
+          </a:lnRef>
+          <a:fillRef idx="1">
+            <a:schemeClr val="accent1"/>
+          </a:fillRef>
+          <a:effectRef idx="0">
+            <a:schemeClr val="accent1"/>
+          </a:effectRef>
+          <a:fontRef idx="minor">
+            <a:schemeClr val="lt1"/>
+          </a:fontRef>
+        </p:style>
+        <p:txBody>
+          <a:bodyPr rtlCol="0" anchor="ctr"/>
+          <a:lstStyle/>
+          <a:p>
+            <a:pPr algn="ctr"/>
+            <a:endParaRPr lang="en-US"/>
+          </a:p>
+        </p:txBody>
+      </p:sp>
+      <p:sp>
+        <p:nvSpPr>
+          <p:cNvPr id="59" name="Oval 58">
+            <a:extLst>
+              <a:ext uri="{FF2B5EF4-FFF2-40B4-BE49-F238E27FC236}">
+                <a16:creationId xmlns:a16="http://schemas.microsoft.com/office/drawing/2014/main" id="{FD6C984E-D885-12AC-72EA-0974CCE76332}"/>
+              </a:ext>
+            </a:extLst>
+          </p:cNvPr>
+          <p:cNvSpPr/>
+          <p:nvPr/>
+        </p:nvSpPr>
+        <p:spPr>
+          <a:xfrm>
+            <a:off x="6785087" y="97886"/>
+            <a:ext cx="92633" cy="92818"/>
+          </a:xfrm>
+          <a:prstGeom prst="ellipse">
+            <a:avLst/>
+          </a:prstGeom>
+          <a:solidFill>
+            <a:schemeClr val="accent6">
+              <a:lumMod val="60000"/>
+              <a:lumOff val="40000"/>
+            </a:schemeClr>
+          </a:solidFill>
+          <a:ln>
+            <a:noFill/>
+          </a:ln>
+        </p:spPr>
+        <p:style>
+          <a:lnRef idx="2">
+            <a:schemeClr val="accent1">
+              <a:shade val="15000"/>
+            </a:schemeClr>
+          </a:lnRef>
+          <a:fillRef idx="1">
+            <a:schemeClr val="accent1"/>
+          </a:fillRef>
+          <a:effectRef idx="0">
+            <a:schemeClr val="accent1"/>
+          </a:effectRef>
+          <a:fontRef idx="minor">
+            <a:schemeClr val="lt1"/>
+          </a:fontRef>
+        </p:style>
+        <p:txBody>
+          <a:bodyPr rtlCol="0" anchor="ctr"/>
+          <a:lstStyle/>
+          <a:p>
+            <a:pPr algn="ctr"/>
+            <a:endParaRPr lang="en-US"/>
+          </a:p>
+        </p:txBody>
+      </p:sp>
+      <p:sp>
+        <p:nvSpPr>
+          <p:cNvPr id="60" name="Oval 59">
+            <a:extLst>
+              <a:ext uri="{FF2B5EF4-FFF2-40B4-BE49-F238E27FC236}">
+                <a16:creationId xmlns:a16="http://schemas.microsoft.com/office/drawing/2014/main" id="{F500BFF1-540C-3470-475E-6810EB291B8E}"/>
+              </a:ext>
+            </a:extLst>
+          </p:cNvPr>
+          <p:cNvSpPr/>
+          <p:nvPr/>
+        </p:nvSpPr>
+        <p:spPr>
+          <a:xfrm>
+            <a:off x="6967311" y="95709"/>
+            <a:ext cx="92633" cy="92818"/>
+          </a:xfrm>
+          <a:prstGeom prst="ellipse">
+            <a:avLst/>
+          </a:prstGeom>
+          <a:solidFill>
+            <a:schemeClr val="accent6">
+              <a:lumMod val="60000"/>
+              <a:lumOff val="40000"/>
+            </a:schemeClr>
+          </a:solidFill>
+          <a:ln>
+            <a:noFill/>
+          </a:ln>
+        </p:spPr>
+        <p:style>
+          <a:lnRef idx="2">
+            <a:schemeClr val="accent1">
+              <a:shade val="15000"/>
+            </a:schemeClr>
+          </a:lnRef>
+          <a:fillRef idx="1">
+            <a:schemeClr val="accent1"/>
+          </a:fillRef>
+          <a:effectRef idx="0">
+            <a:schemeClr val="accent1"/>
+          </a:effectRef>
+          <a:fontRef idx="minor">
+            <a:schemeClr val="lt1"/>
+          </a:fontRef>
+        </p:style>
+        <p:txBody>
+          <a:bodyPr rtlCol="0" anchor="ctr"/>
+          <a:lstStyle/>
+          <a:p>
+            <a:pPr algn="ctr"/>
+            <a:endParaRPr lang="en-US"/>
+          </a:p>
+        </p:txBody>
+      </p:sp>
+      <p:sp>
+        <p:nvSpPr>
+          <p:cNvPr id="61" name="Oval 60">
+            <a:extLst>
+              <a:ext uri="{FF2B5EF4-FFF2-40B4-BE49-F238E27FC236}">
+                <a16:creationId xmlns:a16="http://schemas.microsoft.com/office/drawing/2014/main" id="{980D4ADB-AAC2-6DD3-4197-79C6794979F8}"/>
+              </a:ext>
+            </a:extLst>
+          </p:cNvPr>
+          <p:cNvSpPr/>
+          <p:nvPr/>
+        </p:nvSpPr>
+        <p:spPr>
+          <a:xfrm>
+            <a:off x="7152646" y="95709"/>
+            <a:ext cx="92633" cy="92818"/>
+          </a:xfrm>
+          <a:prstGeom prst="ellipse">
+            <a:avLst/>
+          </a:prstGeom>
+          <a:solidFill>
+            <a:schemeClr val="accent6">
+              <a:lumMod val="60000"/>
+              <a:lumOff val="40000"/>
+            </a:schemeClr>
+          </a:solidFill>
+          <a:ln>
+            <a:noFill/>
+          </a:ln>
+        </p:spPr>
+        <p:style>
+          <a:lnRef idx="2">
+            <a:schemeClr val="accent1">
+              <a:shade val="15000"/>
+            </a:schemeClr>
+          </a:lnRef>
+          <a:fillRef idx="1">
+            <a:schemeClr val="accent1"/>
+          </a:fillRef>
+          <a:effectRef idx="0">
+            <a:schemeClr val="accent1"/>
+          </a:effectRef>
+          <a:fontRef idx="minor">
+            <a:schemeClr val="lt1"/>
+          </a:fontRef>
+        </p:style>
+        <p:txBody>
+          <a:bodyPr rtlCol="0" anchor="ctr"/>
+          <a:lstStyle/>
+          <a:p>
+            <a:pPr algn="ctr"/>
+            <a:endParaRPr lang="en-US"/>
+          </a:p>
+        </p:txBody>
+      </p:sp>
+      <p:sp>
+        <p:nvSpPr>
+          <p:cNvPr id="62" name="Oval 61">
+            <a:extLst>
+              <a:ext uri="{FF2B5EF4-FFF2-40B4-BE49-F238E27FC236}">
+                <a16:creationId xmlns:a16="http://schemas.microsoft.com/office/drawing/2014/main" id="{833B173E-F106-9AC2-B8A0-47A58EE19979}"/>
+              </a:ext>
+            </a:extLst>
+          </p:cNvPr>
+          <p:cNvSpPr/>
+          <p:nvPr/>
+        </p:nvSpPr>
+        <p:spPr>
+          <a:xfrm>
+            <a:off x="7333262" y="95709"/>
+            <a:ext cx="92633" cy="92818"/>
+          </a:xfrm>
+          <a:prstGeom prst="ellipse">
+            <a:avLst/>
+          </a:prstGeom>
+          <a:solidFill>
+            <a:schemeClr val="accent6">
+              <a:lumMod val="60000"/>
+              <a:lumOff val="40000"/>
+            </a:schemeClr>
+          </a:solidFill>
+          <a:ln>
+            <a:noFill/>
+          </a:ln>
+        </p:spPr>
+        <p:style>
+          <a:lnRef idx="2">
+            <a:schemeClr val="accent1">
+              <a:shade val="15000"/>
+            </a:schemeClr>
+          </a:lnRef>
+          <a:fillRef idx="1">
+            <a:schemeClr val="accent1"/>
+          </a:fillRef>
+          <a:effectRef idx="0">
+            <a:schemeClr val="accent1"/>
+          </a:effectRef>
+          <a:fontRef idx="minor">
+            <a:schemeClr val="lt1"/>
+          </a:fontRef>
+        </p:style>
+        <p:txBody>
+          <a:bodyPr rtlCol="0" anchor="ctr"/>
+          <a:lstStyle/>
+          <a:p>
+            <a:pPr algn="ctr"/>
+            <a:endParaRPr lang="en-US"/>
+          </a:p>
+        </p:txBody>
+      </p:sp>
+    </p:spTree>
+    <p:extLst>
+      <p:ext uri="{BB962C8B-B14F-4D97-AF65-F5344CB8AC3E}">
+        <p14:creationId xmlns:p14="http://schemas.microsoft.com/office/powerpoint/2010/main" val="3339935709"/>
+      </p:ext>
+    </p:extLst>
+  </p:cSld>
+  <p:clrMapOvr>
+    <a:masterClrMapping/>
+  </p:clrMapOvr>
+  <p:timing>
+    <p:tnLst>
+      <p:par>
+        <p:cTn id="1" dur="indefinite" restart="never" nodeType="tmRoot">
+          <p:childTnLst>
+            <p:seq concurrent="1" nextAc="seek">
+              <p:cTn id="2" dur="indefinite" nodeType="mainSeq">
+                <p:childTnLst>
+                  <p:par>
+                    <p:cTn id="3" fill="hold">
+                      <p:stCondLst>
+                        <p:cond delay="indefinite"/>
+                      </p:stCondLst>
+                      <p:childTnLst>
+                        <p:par>
+                          <p:cTn id="4" fill="hold">
+                            <p:stCondLst>
+                              <p:cond delay="0"/>
+                            </p:stCondLst>
+                            <p:childTnLst>
+                              <p:par>
+                                <p:cTn id="5" presetID="10" presetClass="entr" presetSubtype="0" fill="hold" nodeType="clickEffect">
+                                  <p:stCondLst>
+                                    <p:cond delay="0"/>
+                                  </p:stCondLst>
+                                  <p:childTnLst>
+                                    <p:set>
+                                      <p:cBhvr>
+                                        <p:cTn id="6" dur="1" fill="hold">
+                                          <p:stCondLst>
+                                            <p:cond delay="0"/>
+                                          </p:stCondLst>
+                                        </p:cTn>
+                                        <p:tgtEl>
+                                          <p:spTgt spid="8"/>
+                                        </p:tgtEl>
+                                        <p:attrNameLst>
+                                          <p:attrName>style.visibility</p:attrName>
+                                        </p:attrNameLst>
+                                      </p:cBhvr>
+                                      <p:to>
+                                        <p:strVal val="visible"/>
+                                      </p:to>
+                                    </p:set>
+                                    <p:animEffect transition="in" filter="fade">
+                                      <p:cBhvr>
+                                        <p:cTn id="7" dur="500"/>
+                                        <p:tgtEl>
+                                          <p:spTgt spid="8"/>
+                                        </p:tgtEl>
+                                      </p:cBhvr>
+                                    </p:animEffect>
+                                  </p:childTnLst>
+                                  <p:subTnLst>
+                                    <p:animClr clrSpc="rgb" dir="cw">
+                                      <p:cBhvr override="childStyle">
+                                        <p:cTn dur="1" fill="hold" display="0" masterRel="nextClick" afterEffect="1"/>
+                                        <p:tgtEl>
+                                          <p:spTgt spid="8"/>
+                                        </p:tgtEl>
+                                        <p:attrNameLst>
+                                          <p:attrName>ppt_c</p:attrName>
+                                        </p:attrNameLst>
+                                      </p:cBhvr>
+                                      <p:to>
+                                        <a:schemeClr val="folHlink"/>
+                                      </p:to>
+                                    </p:animClr>
+                                  </p:subTnLst>
+                                </p:cTn>
+                              </p:par>
+                              <p:par>
+                                <p:cTn id="8" presetID="10" presetClass="entr" presetSubtype="0" fill="hold" grpId="0" nodeType="withEffect">
+                                  <p:stCondLst>
+                                    <p:cond delay="0"/>
+                                  </p:stCondLst>
+                                  <p:childTnLst>
+                                    <p:set>
+                                      <p:cBhvr>
+                                        <p:cTn id="9" dur="1" fill="hold">
+                                          <p:stCondLst>
+                                            <p:cond delay="0"/>
+                                          </p:stCondLst>
+                                        </p:cTn>
+                                        <p:tgtEl>
+                                          <p:spTgt spid="17"/>
+                                        </p:tgtEl>
+                                        <p:attrNameLst>
+                                          <p:attrName>style.visibility</p:attrName>
+                                        </p:attrNameLst>
+                                      </p:cBhvr>
+                                      <p:to>
+                                        <p:strVal val="visible"/>
+                                      </p:to>
+                                    </p:set>
+                                    <p:animEffect transition="in" filter="fade">
+                                      <p:cBhvr>
+                                        <p:cTn id="10" dur="500"/>
+                                        <p:tgtEl>
+                                          <p:spTgt spid="17"/>
+                                        </p:tgtEl>
+                                      </p:cBhvr>
+                                    </p:animEffect>
+                                  </p:childTnLst>
+                                  <p:subTnLst>
+                                    <p:animClr clrSpc="rgb" dir="cw">
+                                      <p:cBhvr override="childStyle">
+                                        <p:cTn dur="1" fill="hold" display="0" masterRel="nextClick" afterEffect="1"/>
+                                        <p:tgtEl>
+                                          <p:spTgt spid="17"/>
+                                        </p:tgtEl>
+                                        <p:attrNameLst>
+                                          <p:attrName>ppt_c</p:attrName>
+                                        </p:attrNameLst>
+                                      </p:cBhvr>
+                                      <p:to>
+                                        <a:schemeClr val="folHlink"/>
+                                      </p:to>
+                                    </p:animClr>
+                                  </p:subTnLst>
+                                </p:cTn>
+                              </p:par>
+                            </p:childTnLst>
+                          </p:cTn>
+                        </p:par>
+                      </p:childTnLst>
+                    </p:cTn>
+                  </p:par>
+                  <p:par>
+                    <p:cTn id="11" fill="hold">
+                      <p:stCondLst>
+                        <p:cond delay="indefinite"/>
+                      </p:stCondLst>
+                      <p:childTnLst>
+                        <p:par>
+                          <p:cTn id="12" fill="hold">
+                            <p:stCondLst>
+                              <p:cond delay="0"/>
+                            </p:stCondLst>
+                            <p:childTnLst>
+                              <p:par>
+                                <p:cTn id="13" presetID="10" presetClass="entr" presetSubtype="0" fill="hold" nodeType="clickEffect">
+                                  <p:stCondLst>
+                                    <p:cond delay="0"/>
+                                  </p:stCondLst>
+                                  <p:childTnLst>
+                                    <p:set>
+                                      <p:cBhvr>
+                                        <p:cTn id="14" dur="1" fill="hold">
+                                          <p:stCondLst>
+                                            <p:cond delay="0"/>
+                                          </p:stCondLst>
+                                        </p:cTn>
+                                        <p:tgtEl>
+                                          <p:spTgt spid="12"/>
+                                        </p:tgtEl>
+                                        <p:attrNameLst>
+                                          <p:attrName>style.visibility</p:attrName>
+                                        </p:attrNameLst>
+                                      </p:cBhvr>
+                                      <p:to>
+                                        <p:strVal val="visible"/>
+                                      </p:to>
+                                    </p:set>
+                                    <p:animEffect transition="in" filter="fade">
+                                      <p:cBhvr>
+                                        <p:cTn id="15" dur="500"/>
+                                        <p:tgtEl>
+                                          <p:spTgt spid="12"/>
+                                        </p:tgtEl>
+                                      </p:cBhvr>
+                                    </p:animEffect>
+                                  </p:childTnLst>
+                                  <p:subTnLst>
+                                    <p:animClr clrSpc="rgb" dir="cw">
+                                      <p:cBhvr override="childStyle">
+                                        <p:cTn dur="1" fill="hold" display="0" masterRel="nextClick" afterEffect="1"/>
+                                        <p:tgtEl>
+                                          <p:spTgt spid="12"/>
+                                        </p:tgtEl>
+                                        <p:attrNameLst>
+                                          <p:attrName>ppt_c</p:attrName>
+                                        </p:attrNameLst>
+                                      </p:cBhvr>
+                                      <p:to>
+                                        <a:schemeClr val="folHlink"/>
+                                      </p:to>
+                                    </p:animClr>
+                                  </p:subTnLst>
+                                </p:cTn>
+                              </p:par>
+                              <p:par>
+                                <p:cTn id="16" presetID="10" presetClass="entr" presetSubtype="0" fill="hold" grpId="0" nodeType="withEffect">
+                                  <p:stCondLst>
+                                    <p:cond delay="0"/>
+                                  </p:stCondLst>
+                                  <p:childTnLst>
+                                    <p:set>
+                                      <p:cBhvr>
+                                        <p:cTn id="17" dur="1" fill="hold">
+                                          <p:stCondLst>
+                                            <p:cond delay="0"/>
+                                          </p:stCondLst>
+                                        </p:cTn>
+                                        <p:tgtEl>
+                                          <p:spTgt spid="20"/>
+                                        </p:tgtEl>
+                                        <p:attrNameLst>
+                                          <p:attrName>style.visibility</p:attrName>
+                                        </p:attrNameLst>
+                                      </p:cBhvr>
+                                      <p:to>
+                                        <p:strVal val="visible"/>
+                                      </p:to>
+                                    </p:set>
+                                    <p:animEffect transition="in" filter="fade">
+                                      <p:cBhvr>
+                                        <p:cTn id="18" dur="500"/>
+                                        <p:tgtEl>
+                                          <p:spTgt spid="20"/>
+                                        </p:tgtEl>
+                                      </p:cBhvr>
+                                    </p:animEffect>
+                                  </p:childTnLst>
+                                  <p:subTnLst>
+                                    <p:animClr clrSpc="rgb" dir="cw">
+                                      <p:cBhvr override="childStyle">
+                                        <p:cTn dur="1" fill="hold" display="0" masterRel="nextClick" afterEffect="1"/>
+                                        <p:tgtEl>
+                                          <p:spTgt spid="20"/>
+                                        </p:tgtEl>
+                                        <p:attrNameLst>
+                                          <p:attrName>ppt_c</p:attrName>
+                                        </p:attrNameLst>
+                                      </p:cBhvr>
+                                      <p:to>
+                                        <a:schemeClr val="folHlink"/>
+                                      </p:to>
+                                    </p:animClr>
+                                  </p:subTnLst>
+                                </p:cTn>
+                              </p:par>
+                            </p:childTnLst>
+                          </p:cTn>
+                        </p:par>
+                      </p:childTnLst>
+                    </p:cTn>
+                  </p:par>
+                  <p:par>
+                    <p:cTn id="19" fill="hold">
+                      <p:stCondLst>
+                        <p:cond delay="indefinite"/>
+                      </p:stCondLst>
+                      <p:childTnLst>
+                        <p:par>
+                          <p:cTn id="20" fill="hold">
+                            <p:stCondLst>
+                              <p:cond delay="0"/>
+                            </p:stCondLst>
+                            <p:childTnLst>
+                              <p:par>
+                                <p:cTn id="21" presetID="10" presetClass="entr" presetSubtype="0" fill="hold" nodeType="clickEffect">
+                                  <p:stCondLst>
+                                    <p:cond delay="0"/>
+                                  </p:stCondLst>
+                                  <p:childTnLst>
+                                    <p:set>
+                                      <p:cBhvr>
+                                        <p:cTn id="22" dur="1" fill="hold">
+                                          <p:stCondLst>
+                                            <p:cond delay="0"/>
+                                          </p:stCondLst>
+                                        </p:cTn>
+                                        <p:tgtEl>
+                                          <p:spTgt spid="14"/>
+                                        </p:tgtEl>
+                                        <p:attrNameLst>
+                                          <p:attrName>style.visibility</p:attrName>
+                                        </p:attrNameLst>
+                                      </p:cBhvr>
+                                      <p:to>
+                                        <p:strVal val="visible"/>
+                                      </p:to>
+                                    </p:set>
+                                    <p:animEffect transition="in" filter="fade">
+                                      <p:cBhvr>
+                                        <p:cTn id="23" dur="500"/>
+                                        <p:tgtEl>
+                                          <p:spTgt spid="14"/>
+                                        </p:tgtEl>
+                                      </p:cBhvr>
+                                    </p:animEffect>
+                                  </p:childTnLst>
+                                  <p:subTnLst>
+                                    <p:animClr clrSpc="rgb" dir="cw">
+                                      <p:cBhvr override="childStyle">
+                                        <p:cTn dur="1" fill="hold" display="0" masterRel="nextClick" afterEffect="1"/>
+                                        <p:tgtEl>
+                                          <p:spTgt spid="14"/>
+                                        </p:tgtEl>
+                                        <p:attrNameLst>
+                                          <p:attrName>ppt_c</p:attrName>
+                                        </p:attrNameLst>
+                                      </p:cBhvr>
+                                      <p:to>
+                                        <a:schemeClr val="folHlink"/>
+                                      </p:to>
+                                    </p:animClr>
+                                  </p:subTnLst>
+                                </p:cTn>
+                              </p:par>
+                              <p:par>
+                                <p:cTn id="24" presetID="10" presetClass="entr" presetSubtype="0" fill="hold" grpId="0" nodeType="withEffect">
+                                  <p:stCondLst>
+                                    <p:cond delay="0"/>
+                                  </p:stCondLst>
+                                  <p:childTnLst>
+                                    <p:set>
+                                      <p:cBhvr>
+                                        <p:cTn id="25" dur="1" fill="hold">
+                                          <p:stCondLst>
+                                            <p:cond delay="0"/>
+                                          </p:stCondLst>
+                                        </p:cTn>
+                                        <p:tgtEl>
+                                          <p:spTgt spid="18"/>
+                                        </p:tgtEl>
+                                        <p:attrNameLst>
+                                          <p:attrName>style.visibility</p:attrName>
+                                        </p:attrNameLst>
+                                      </p:cBhvr>
+                                      <p:to>
+                                        <p:strVal val="visible"/>
+                                      </p:to>
+                                    </p:set>
+                                    <p:animEffect transition="in" filter="fade">
+                                      <p:cBhvr>
+                                        <p:cTn id="26" dur="500"/>
+                                        <p:tgtEl>
+                                          <p:spTgt spid="18"/>
+                                        </p:tgtEl>
+                                      </p:cBhvr>
+                                    </p:animEffect>
+                                  </p:childTnLst>
+                                  <p:subTnLst>
+                                    <p:animClr clrSpc="rgb" dir="cw">
+                                      <p:cBhvr override="childStyle">
+                                        <p:cTn dur="1" fill="hold" display="0" masterRel="nextClick" afterEffect="1"/>
+                                        <p:tgtEl>
+                                          <p:spTgt spid="18"/>
+                                        </p:tgtEl>
+                                        <p:attrNameLst>
+                                          <p:attrName>ppt_c</p:attrName>
+                                        </p:attrNameLst>
+                                      </p:cBhvr>
+                                      <p:to>
+                                        <a:schemeClr val="folHlink"/>
+                                      </p:to>
+                                    </p:animClr>
+                                  </p:subTnLst>
+                                </p:cTn>
+                              </p:par>
+                            </p:childTnLst>
+                          </p:cTn>
+                        </p:par>
+                      </p:childTnLst>
+                    </p:cTn>
+                  </p:par>
+                  <p:par>
+                    <p:cTn id="27" fill="hold">
+                      <p:stCondLst>
+                        <p:cond delay="indefinite"/>
+                      </p:stCondLst>
+                      <p:childTnLst>
+                        <p:par>
+                          <p:cTn id="28" fill="hold">
+                            <p:stCondLst>
+                              <p:cond delay="0"/>
+                            </p:stCondLst>
+                            <p:childTnLst>
+                              <p:par>
+                                <p:cTn id="29" presetID="10" presetClass="entr" presetSubtype="0" fill="hold" nodeType="clickEffect">
+                                  <p:stCondLst>
+                                    <p:cond delay="0"/>
+                                  </p:stCondLst>
+                                  <p:childTnLst>
+                                    <p:set>
+                                      <p:cBhvr>
+                                        <p:cTn id="30" dur="1" fill="hold">
+                                          <p:stCondLst>
+                                            <p:cond delay="0"/>
+                                          </p:stCondLst>
+                                        </p:cTn>
+                                        <p:tgtEl>
+                                          <p:spTgt spid="10"/>
+                                        </p:tgtEl>
+                                        <p:attrNameLst>
+                                          <p:attrName>style.visibility</p:attrName>
+                                        </p:attrNameLst>
+                                      </p:cBhvr>
+                                      <p:to>
+                                        <p:strVal val="visible"/>
+                                      </p:to>
+                                    </p:set>
+                                    <p:animEffect transition="in" filter="fade">
+                                      <p:cBhvr>
+                                        <p:cTn id="31" dur="500"/>
+                                        <p:tgtEl>
+                                          <p:spTgt spid="10"/>
+                                        </p:tgtEl>
+                                      </p:cBhvr>
+                                    </p:animEffect>
+                                  </p:childTnLst>
+                                  <p:subTnLst>
+                                    <p:animClr clrSpc="rgb" dir="cw">
+                                      <p:cBhvr override="childStyle">
+                                        <p:cTn dur="1" fill="hold" display="0" masterRel="nextClick" afterEffect="1"/>
+                                        <p:tgtEl>
+                                          <p:spTgt spid="10"/>
+                                        </p:tgtEl>
+                                        <p:attrNameLst>
+                                          <p:attrName>ppt_c</p:attrName>
+                                        </p:attrNameLst>
+                                      </p:cBhvr>
+                                      <p:to>
+                                        <a:schemeClr val="folHlink"/>
+                                      </p:to>
+                                    </p:animClr>
+                                  </p:subTnLst>
+                                </p:cTn>
+                              </p:par>
+                              <p:par>
+                                <p:cTn id="32" presetID="10" presetClass="entr" presetSubtype="0" fill="hold" grpId="0" nodeType="withEffect">
+                                  <p:stCondLst>
+                                    <p:cond delay="0"/>
+                                  </p:stCondLst>
+                                  <p:childTnLst>
+                                    <p:set>
+                                      <p:cBhvr>
+                                        <p:cTn id="33" dur="1" fill="hold">
+                                          <p:stCondLst>
+                                            <p:cond delay="0"/>
+                                          </p:stCondLst>
+                                        </p:cTn>
+                                        <p:tgtEl>
+                                          <p:spTgt spid="19"/>
+                                        </p:tgtEl>
+                                        <p:attrNameLst>
+                                          <p:attrName>style.visibility</p:attrName>
+                                        </p:attrNameLst>
+                                      </p:cBhvr>
+                                      <p:to>
+                                        <p:strVal val="visible"/>
+                                      </p:to>
+                                    </p:set>
+                                    <p:animEffect transition="in" filter="fade">
+                                      <p:cBhvr>
+                                        <p:cTn id="34" dur="500"/>
+                                        <p:tgtEl>
+                                          <p:spTgt spid="19"/>
+                                        </p:tgtEl>
+                                      </p:cBhvr>
+                                    </p:animEffect>
+                                  </p:childTnLst>
+                                  <p:subTnLst>
+                                    <p:animClr clrSpc="rgb" dir="cw">
+                                      <p:cBhvr override="childStyle">
+                                        <p:cTn dur="1" fill="hold" display="0" masterRel="nextClick" afterEffect="1"/>
+                                        <p:tgtEl>
+                                          <p:spTgt spid="19"/>
+                                        </p:tgtEl>
+                                        <p:attrNameLst>
+                                          <p:attrName>ppt_c</p:attrName>
+                                        </p:attrNameLst>
+                                      </p:cBhvr>
+                                      <p:to>
+                                        <a:schemeClr val="folHlink"/>
+                                      </p:to>
+                                    </p:animClr>
+                                  </p:subTnLst>
+                                </p:cTn>
+                              </p:par>
+                            </p:childTnLst>
+                          </p:cTn>
+                        </p:par>
+                      </p:childTnLst>
+                    </p:cTn>
+                  </p:par>
+                </p:childTnLst>
+              </p:cTn>
+              <p:prevCondLst>
+                <p:cond evt="onPrev" delay="0">
+                  <p:tgtEl>
+                    <p:sldTgt/>
+                  </p:tgtEl>
+                </p:cond>
+              </p:prevCondLst>
+              <p:nextCondLst>
+                <p:cond evt="onNext" delay="0">
+                  <p:tgtEl>
+                    <p:sldTgt/>
+                  </p:tgtEl>
+                </p:cond>
+              </p:nextCondLst>
+            </p:seq>
+          </p:childTnLst>
+        </p:cTn>
+      </p:par>
+    </p:tnLst>
+    <p:bldLst>
+      <p:bldP spid="17" grpId="0"/>
+      <p:bldP spid="18" grpId="0"/>
+      <p:bldP spid="19" grpId="0"/>
+      <p:bldP spid="20" grpId="0"/>
+    </p:bldLst>
+  </p:timing>
 </p:sld>
 </file>
 
@@ -37456,15 +37525,6 @@
 </file>
 
 <file path=customXml/item2.xml><?xml version="1.0" encoding="utf-8"?>
-<?mso-contentType ?>
-<FormTemplates xmlns="http://schemas.microsoft.com/sharepoint/v3/contenttype/forms">
-  <Display>DocumentLibraryForm</Display>
-  <Edit>DocumentLibraryForm</Edit>
-  <New>DocumentLibraryForm</New>
-</FormTemplates>
-</file>
-
-<file path=customXml/item3.xml><?xml version="1.0" encoding="utf-8"?>
 <ct:contentTypeSchema xmlns:ct="http://schemas.microsoft.com/office/2006/metadata/contentType" xmlns:ma="http://schemas.microsoft.com/office/2006/metadata/properties/metaAttributes" ct:_="" ma:_="" ma:contentTypeName="Document" ma:contentTypeID="0x01010079F111ED35F8CC479449609E8A0923A6" ma:contentTypeVersion="18" ma:contentTypeDescription="Create a new document." ma:contentTypeScope="" ma:versionID="22a266b9fa9a230c5a512669d8b298c3">
   <xsd:schema xmlns:xsd="http://www.w3.org/2001/XMLSchema" xmlns:xs="http://www.w3.org/2001/XMLSchema" xmlns:p="http://schemas.microsoft.com/office/2006/metadata/properties" xmlns:ns1="http://schemas.microsoft.com/sharepoint/v3" xmlns:ns2="71af3243-3dd4-4a8d-8c0d-dd76da1f02a5" xmlns:ns3="16c05727-aa75-4e4a-9b5f-8a80a1165891" xmlns:ns4="230e9df3-be65-4c73-a93b-d1236ebd677e" targetNamespace="http://schemas.microsoft.com/office/2006/metadata/properties" ma:root="true" ma:fieldsID="eddc33fff6b14141ee5c74a0d29ea6a1" ns1:_="" ns2:_="" ns3:_="" ns4:_="">
     <xsd:import namespace="http://schemas.microsoft.com/sharepoint/v3"/>
@@ -37740,6 +37800,15 @@
 </ct:contentTypeSchema>
 </file>
 
+<file path=customXml/item3.xml><?xml version="1.0" encoding="utf-8"?>
+<?mso-contentType ?>
+<FormTemplates xmlns="http://schemas.microsoft.com/sharepoint/v3/contenttype/forms">
+  <Display>DocumentLibraryForm</Display>
+  <Edit>DocumentLibraryForm</Edit>
+  <New>DocumentLibraryForm</New>
+</FormTemplates>
+</file>
+
 <file path=customXml/itemProps1.xml><?xml version="1.0" encoding="utf-8"?>
 <ds:datastoreItem xmlns:ds="http://schemas.openxmlformats.org/officeDocument/2006/customXml" ds:itemID="{50811A92-D464-4AC4-A396-BA73B10CEEAC}">
   <ds:schemaRefs>
@@ -37753,14 +37822,6 @@
 </file>
 
 <file path=customXml/itemProps2.xml><?xml version="1.0" encoding="utf-8"?>
-<ds:datastoreItem xmlns:ds="http://schemas.openxmlformats.org/officeDocument/2006/customXml" ds:itemID="{904751AB-E840-446F-8D49-E697067EC887}">
-  <ds:schemaRefs>
-    <ds:schemaRef ds:uri="http://schemas.microsoft.com/sharepoint/v3/contenttype/forms"/>
-  </ds:schemaRefs>
-</ds:datastoreItem>
-</file>
-
-<file path=customXml/itemProps3.xml><?xml version="1.0" encoding="utf-8"?>
 <ds:datastoreItem xmlns:ds="http://schemas.openxmlformats.org/officeDocument/2006/customXml" ds:itemID="{DE4876F9-7AE1-498D-B8FE-1E3AD703D2AF}">
   <ds:schemaRefs>
     <ds:schemaRef ds:uri="http://schemas.microsoft.com/office/2006/metadata/contentType"/>
@@ -37781,6 +37842,14 @@
 </ds:datastoreItem>
 </file>
 
+<file path=customXml/itemProps3.xml><?xml version="1.0" encoding="utf-8"?>
+<ds:datastoreItem xmlns:ds="http://schemas.openxmlformats.org/officeDocument/2006/customXml" ds:itemID="{904751AB-E840-446F-8D49-E697067EC887}">
+  <ds:schemaRefs>
+    <ds:schemaRef ds:uri="http://schemas.microsoft.com/sharepoint/v3/contenttype/forms"/>
+  </ds:schemaRefs>
+</ds:datastoreItem>
+</file>
+
 <file path=docMetadata/LabelInfo.xml><?xml version="1.0" encoding="utf-8"?>
 <clbl:labelList xmlns:clbl="http://schemas.microsoft.com/office/2020/mipLabelMetadata">
   <clbl:label id="{f42aa342-8706-4288-bd11-ebb85995028c}" enabled="1" method="Standard" siteId="{72f988bf-86f1-41af-91ab-2d7cd011db47}" contentBits="0" removed="0"/>
